--- a/Documentation/FastRide-proiect-licenta-PopescuConstantinMadalin.pptx
+++ b/Documentation/FastRide-proiect-licenta-PopescuConstantinMadalin.pptx
@@ -1,21 +1,21 @@
 
 <file path=ppt/presentation.xml><?xml version="1.0" encoding="utf-8"?>
-<p:presentation xmlns:a="http://schemas.openxmlformats.org/drawingml/2006/main" xmlns:r="http://schemas.openxmlformats.org/officeDocument/2006/relationships" xmlns:p="http://schemas.openxmlformats.org/presentationml/2006/main" xmlns:m="http://schemas.openxmlformats.org/officeDocument/2006/math" xmlns:w="http://schemas.openxmlformats.org/wordprocessingml/2006/main" autoCompressPictures="0" removePersonalInfoOnSave="1" saveSubsetFonts="1" showSpecialPlsOnTitleSld="0">
+<p:presentation xmlns:a="http://schemas.openxmlformats.org/drawingml/2006/main" xmlns:r="http://schemas.openxmlformats.org/officeDocument/2006/relationships" xmlns:p="http://schemas.openxmlformats.org/presentationml/2006/main" showSpecialPlsOnTitleSld="0" saveSubsetFonts="1" autoCompressPictures="0">
   <p:sldMasterIdLst>
     <p:sldMasterId id="2147483648" r:id="rId1"/>
   </p:sldMasterIdLst>
   <p:notesMasterIdLst>
-    <p:notesMasterId r:id="rId12"/>
+    <p:notesMasterId r:id="rId10"/>
   </p:notesMasterIdLst>
   <p:sldIdLst>
-    <p:sldId id="256" r:id="rId4"/>
-    <p:sldId id="257" r:id="rId5"/>
-    <p:sldId id="258" r:id="rId6"/>
-    <p:sldId id="259" r:id="rId7"/>
-    <p:sldId id="260" r:id="rId8"/>
-    <p:sldId id="261" r:id="rId9"/>
-    <p:sldId id="262" r:id="rId10"/>
-    <p:sldId id="263" r:id="rId11"/>
+    <p:sldId id="256" r:id="rId2"/>
+    <p:sldId id="257" r:id="rId3"/>
+    <p:sldId id="258" r:id="rId4"/>
+    <p:sldId id="259" r:id="rId5"/>
+    <p:sldId id="260" r:id="rId6"/>
+    <p:sldId id="261" r:id="rId7"/>
+    <p:sldId id="262" r:id="rId8"/>
+    <p:sldId id="263" r:id="rId9"/>
   </p:sldIdLst>
   <p:sldSz cx="12192000" cy="6858000"/>
   <p:notesSz cx="6858000" cy="9144000"/>
@@ -114,12 +114,28 @@
       </a:defRPr>
     </a:lvl9pPr>
   </p:defaultTextStyle>
+  <p:extLst>
+    <p:ext uri="{EFAFB233-063F-42B5-8137-9DF3F51BA10A}">
+      <p15:sldGuideLst xmlns:p15="http://schemas.microsoft.com/office/powerpoint/2012/main">
+        <p15:guide id="1" orient="horz" pos="3360">
+          <p15:clr>
+            <a:srgbClr val="A4A3A4"/>
+          </p15:clr>
+        </p15:guide>
+        <p15:guide id="2" pos="3840">
+          <p15:clr>
+            <a:srgbClr val="A4A3A4"/>
+          </p15:clr>
+        </p15:guide>
+      </p15:sldGuideLst>
+    </p:ext>
+  </p:extLst>
 </p:presentation>
 </file>
 
 <file path=ppt/notesMasters/notesMaster1.xml><?xml version="1.0" encoding="utf-8"?>
 <p:notesMaster xmlns:a="http://schemas.openxmlformats.org/drawingml/2006/main" xmlns:r="http://schemas.openxmlformats.org/officeDocument/2006/relationships" xmlns:p="http://schemas.openxmlformats.org/presentationml/2006/main">
-  <p:cSld name="">
+  <p:cSld>
     <p:bg>
       <p:bgRef idx="1001">
         <a:schemeClr val="bg1"/>
@@ -205,7 +221,7 @@
             </a:pPr>
             <a:fld id="{E38D8F9A-F5CB-4EF8-A859-ED5E107B9763}" type="datetimeFigureOut">
               <a:rPr lang="en-US"/>
-              <a:t>6/11/2025</a:t>
+              <a:t>7/2/2025</a:t>
             </a:fld>
             <a:endParaRPr lang="en-US"/>
           </a:p>
@@ -215,7 +231,7 @@
         <p:nvSpPr>
           <p:cNvPr id="4" name="Slide Image Placeholder 3"/>
           <p:cNvSpPr>
-            <a:spLocks noChangeAspect="1" noGrp="1" noRot="1"/>
+            <a:spLocks noGrp="1" noRot="1" noChangeAspect="1"/>
           </p:cNvSpPr>
           <p:nvPr>
             <p:ph type="sldImg" idx="2"/>
@@ -492,8 +508,8 @@
 </file>
 
 <file path=ppt/notesSlides/notesSlide1.xml><?xml version="1.0" encoding="utf-8"?>
-<p:notes xmlns:a="http://schemas.openxmlformats.org/drawingml/2006/main" xmlns:r="http://schemas.openxmlformats.org/officeDocument/2006/relationships" xmlns:p="http://schemas.openxmlformats.org/presentationml/2006/main" xmlns:m="http://schemas.openxmlformats.org/officeDocument/2006/math" xmlns:w="http://schemas.openxmlformats.org/wordprocessingml/2006/main">
-  <p:cSld name="">
+<p:notes xmlns:a="http://schemas.openxmlformats.org/drawingml/2006/main" xmlns:r="http://schemas.openxmlformats.org/officeDocument/2006/relationships" xmlns:p="http://schemas.openxmlformats.org/presentationml/2006/main">
+  <p:cSld>
     <p:spTree>
       <p:nvGrpSpPr>
         <p:cNvPr id="1" name=""/>
@@ -512,7 +528,7 @@
         <p:nvSpPr>
           <p:cNvPr id="2" name="Substituent imagine diapozitiv 1"/>
           <p:cNvSpPr>
-            <a:spLocks noChangeAspect="1" noGrp="1" noRot="1"/>
+            <a:spLocks noGrp="1" noRot="1" noChangeAspect="1"/>
           </p:cNvSpPr>
           <p:nvPr>
             <p:ph type="sldImg"/>
@@ -790,12 +806,15 @@
       </p:sp>
     </p:spTree>
   </p:cSld>
+  <p:clrMapOvr>
+    <a:masterClrMapping/>
+  </p:clrMapOvr>
 </p:notes>
 </file>
 
 <file path=ppt/notesSlides/notesSlide2.xml><?xml version="1.0" encoding="utf-8"?>
-<p:notes xmlns:a="http://schemas.openxmlformats.org/drawingml/2006/main" xmlns:r="http://schemas.openxmlformats.org/officeDocument/2006/relationships" xmlns:p="http://schemas.openxmlformats.org/presentationml/2006/main" xmlns:m="http://schemas.openxmlformats.org/officeDocument/2006/math" xmlns:w="http://schemas.openxmlformats.org/wordprocessingml/2006/main">
-  <p:cSld name="">
+<p:notes xmlns:a="http://schemas.openxmlformats.org/drawingml/2006/main" xmlns:r="http://schemas.openxmlformats.org/officeDocument/2006/relationships" xmlns:p="http://schemas.openxmlformats.org/presentationml/2006/main">
+  <p:cSld>
     <p:spTree>
       <p:nvGrpSpPr>
         <p:cNvPr id="1" name=""/>
@@ -814,7 +833,7 @@
         <p:nvSpPr>
           <p:cNvPr id="2" name="Substituent imagine diapozitiv 1"/>
           <p:cNvSpPr>
-            <a:spLocks noChangeAspect="1" noGrp="1" noRot="1"/>
+            <a:spLocks noGrp="1" noRot="1" noChangeAspect="1"/>
           </p:cNvSpPr>
           <p:nvPr>
             <p:ph type="sldImg"/>
@@ -870,14 +889,6 @@
               </a:rPr>
               <a:t>Aplicație de ride-sharing creată pentru a ajuta oamenii să își rezerve curse rapid și ușor</a:t>
             </a:r>
-            <a:endParaRPr sz="1200" b="0" i="0" u="none">
-              <a:solidFill>
-                <a:srgbClr val="000000"/>
-              </a:solidFill>
-              <a:latin typeface="Times New Roman"/>
-              <a:ea typeface="Times New Roman"/>
-              <a:cs typeface="Times New Roman"/>
-            </a:endParaRPr>
           </a:p>
           <a:p>
             <a:pPr marL="217793" indent="-217793">
@@ -896,14 +907,6 @@
               </a:rPr>
               <a:t>Facilitează legătura dintre șoferi disponibili și pasageri care au nevoie de transport</a:t>
             </a:r>
-            <a:endParaRPr sz="1200" b="0" i="0" u="none">
-              <a:solidFill>
-                <a:srgbClr val="000000"/>
-              </a:solidFill>
-              <a:latin typeface="Times New Roman"/>
-              <a:ea typeface="Times New Roman"/>
-              <a:cs typeface="Times New Roman"/>
-            </a:endParaRPr>
           </a:p>
           <a:p>
             <a:pPr marL="217793" indent="-217793">
@@ -922,14 +925,6 @@
               </a:rPr>
               <a:t>Asigură o experiență sigură, eficientă și comodă pentru ambele părți</a:t>
             </a:r>
-            <a:endParaRPr sz="1200" b="0" i="0" u="none">
-              <a:solidFill>
-                <a:srgbClr val="000000"/>
-              </a:solidFill>
-              <a:latin typeface="Times New Roman"/>
-              <a:ea typeface="Times New Roman"/>
-              <a:cs typeface="Times New Roman"/>
-            </a:endParaRPr>
           </a:p>
           <a:p>
             <a:pPr marL="217793" indent="-217793">
@@ -965,14 +960,6 @@
               </a:rPr>
               <a:t>Interfață prietenoasă (5 secunde):</a:t>
             </a:r>
-            <a:endParaRPr sz="1200" b="1" i="0" u="none">
-              <a:solidFill>
-                <a:srgbClr val="000000"/>
-              </a:solidFill>
-              <a:latin typeface="Times New Roman"/>
-              <a:ea typeface="Times New Roman"/>
-              <a:cs typeface="Times New Roman"/>
-            </a:endParaRPr>
           </a:p>
           <a:p>
             <a:pPr marL="217793" indent="-217793">
@@ -1027,14 +1014,6 @@
               </a:rPr>
               <a:t>Platformă web – nu necesită instalare</a:t>
             </a:r>
-            <a:endParaRPr sz="1200" b="0" i="0" u="none">
-              <a:solidFill>
-                <a:srgbClr val="000000"/>
-              </a:solidFill>
-              <a:latin typeface="Times New Roman"/>
-              <a:ea typeface="Times New Roman"/>
-              <a:cs typeface="Times New Roman"/>
-            </a:endParaRPr>
           </a:p>
           <a:p>
             <a:pPr marL="217793" indent="-217793">
@@ -1085,12 +1064,15 @@
       </p:sp>
     </p:spTree>
   </p:cSld>
+  <p:clrMapOvr>
+    <a:masterClrMapping/>
+  </p:clrMapOvr>
 </p:notes>
 </file>
 
 <file path=ppt/notesSlides/notesSlide3.xml><?xml version="1.0" encoding="utf-8"?>
-<p:notes xmlns:a="http://schemas.openxmlformats.org/drawingml/2006/main" xmlns:r="http://schemas.openxmlformats.org/officeDocument/2006/relationships" xmlns:p="http://schemas.openxmlformats.org/presentationml/2006/main" xmlns:m="http://schemas.openxmlformats.org/officeDocument/2006/math" xmlns:w="http://schemas.openxmlformats.org/wordprocessingml/2006/main">
-  <p:cSld name="">
+<p:notes xmlns:a="http://schemas.openxmlformats.org/drawingml/2006/main" xmlns:r="http://schemas.openxmlformats.org/officeDocument/2006/relationships" xmlns:p="http://schemas.openxmlformats.org/presentationml/2006/main">
+  <p:cSld>
     <p:spTree>
       <p:nvGrpSpPr>
         <p:cNvPr id="1" name=""/>
@@ -1109,7 +1091,7 @@
         <p:nvSpPr>
           <p:cNvPr id="2" name="Substituent imagine diapozitiv 1"/>
           <p:cNvSpPr>
-            <a:spLocks noChangeAspect="1" noGrp="1" noRot="1"/>
+            <a:spLocks noGrp="1" noRot="1" noChangeAspect="1"/>
           </p:cNvSpPr>
           <p:nvPr>
             <p:ph type="sldImg"/>
@@ -1193,14 +1175,6 @@
               </a:rPr>
               <a:t>Framework de la Microsoft</a:t>
             </a:r>
-            <a:endParaRPr sz="1200" b="0" i="0" u="none">
-              <a:solidFill>
-                <a:srgbClr val="000000"/>
-              </a:solidFill>
-              <a:latin typeface="Times New Roman"/>
-              <a:ea typeface="Times New Roman"/>
-              <a:cs typeface="Times New Roman"/>
-            </a:endParaRPr>
           </a:p>
           <a:p>
             <a:pPr marL="217793" indent="-217793">
@@ -1219,14 +1193,6 @@
               </a:rPr>
               <a:t>Nu necesită server hostat – codul și asset-urile rulează direct în browser</a:t>
             </a:r>
-            <a:endParaRPr sz="1200" b="0" i="0" u="none">
-              <a:solidFill>
-                <a:srgbClr val="000000"/>
-              </a:solidFill>
-              <a:latin typeface="Times New Roman"/>
-              <a:ea typeface="Times New Roman"/>
-              <a:cs typeface="Times New Roman"/>
-            </a:endParaRPr>
           </a:p>
           <a:p>
             <a:pPr marL="217793" indent="-217793">
@@ -1245,14 +1211,6 @@
               </a:rPr>
               <a:t>Performanță crescută, mai ales cu mulți utilizatori</a:t>
             </a:r>
-            <a:endParaRPr sz="1200" b="0" i="0" u="none">
-              <a:solidFill>
-                <a:srgbClr val="000000"/>
-              </a:solidFill>
-              <a:latin typeface="Times New Roman"/>
-              <a:ea typeface="Times New Roman"/>
-              <a:cs typeface="Times New Roman"/>
-            </a:endParaRPr>
           </a:p>
           <a:p>
             <a:pPr marL="217793" indent="-217793">
@@ -1318,14 +1276,6 @@
               </a:rPr>
               <a:t>Permite rularea codului pe termen lung</a:t>
             </a:r>
-            <a:endParaRPr sz="1200" b="0" i="0" u="none">
-              <a:solidFill>
-                <a:srgbClr val="000000"/>
-              </a:solidFill>
-              <a:latin typeface="Times New Roman"/>
-              <a:ea typeface="Times New Roman"/>
-              <a:cs typeface="Times New Roman"/>
-            </a:endParaRPr>
           </a:p>
           <a:p>
             <a:pPr marL="217793" indent="-217793">
@@ -1344,14 +1294,6 @@
               </a:rPr>
               <a:t>Execută în continuare chiar dacă utilizatorul se deconectează sau aplicația repornește</a:t>
             </a:r>
-            <a:endParaRPr sz="1200" b="0" i="0" u="none">
-              <a:solidFill>
-                <a:srgbClr val="000000"/>
-              </a:solidFill>
-              <a:latin typeface="Times New Roman"/>
-              <a:ea typeface="Times New Roman"/>
-              <a:cs typeface="Times New Roman"/>
-            </a:endParaRPr>
           </a:p>
           <a:p>
             <a:pPr marL="217793" indent="-217793">
@@ -1398,14 +1340,6 @@
               </a:rPr>
               <a:t>Stocare – Azure Storage Account (Table Storage)</a:t>
             </a:r>
-            <a:endParaRPr sz="1200" b="1" i="0" u="none">
-              <a:solidFill>
-                <a:srgbClr val="000000"/>
-              </a:solidFill>
-              <a:latin typeface="Times New Roman"/>
-              <a:ea typeface="Times New Roman"/>
-              <a:cs typeface="Times New Roman"/>
-            </a:endParaRPr>
           </a:p>
           <a:p>
             <a:pPr marL="217793" indent="-217793">
@@ -1424,14 +1358,6 @@
               </a:rPr>
               <a:t>Bază de date NoSQL – rapidă și cu costuri reduse</a:t>
             </a:r>
-            <a:endParaRPr sz="1200" b="0" i="0" u="none">
-              <a:solidFill>
-                <a:srgbClr val="000000"/>
-              </a:solidFill>
-              <a:latin typeface="Times New Roman"/>
-              <a:ea typeface="Times New Roman"/>
-              <a:cs typeface="Times New Roman"/>
-            </a:endParaRPr>
           </a:p>
           <a:p>
             <a:pPr marL="217793" indent="-217793">
@@ -1508,14 +1434,6 @@
               </a:rPr>
               <a:t> – WebSockets pentru comunicare în timp real</a:t>
             </a:r>
-            <a:endParaRPr sz="1200" b="0" i="0" u="none">
-              <a:solidFill>
-                <a:srgbClr val="000000"/>
-              </a:solidFill>
-              <a:latin typeface="Times New Roman"/>
-              <a:ea typeface="Times New Roman"/>
-              <a:cs typeface="Times New Roman"/>
-            </a:endParaRPr>
           </a:p>
           <a:p>
             <a:pPr marL="217793" indent="-217793">
@@ -1569,7 +1487,7 @@
             </a:pPr>
             <a:fld id="{D4B9A9E5-4F7F-4A7D-9DE1-899232329269}" type="slidenum">
               <a:rPr lang="en-US"/>
-              <a:t>4</a:t>
+              <a:t>3</a:t>
             </a:fld>
             <a:endParaRPr lang="en-US"/>
           </a:p>
@@ -1577,12 +1495,15 @@
       </p:sp>
     </p:spTree>
   </p:cSld>
+  <p:clrMapOvr>
+    <a:masterClrMapping/>
+  </p:clrMapOvr>
 </p:notes>
 </file>
 
 <file path=ppt/notesSlides/notesSlide4.xml><?xml version="1.0" encoding="utf-8"?>
-<p:notes xmlns:a="http://schemas.openxmlformats.org/drawingml/2006/main" xmlns:r="http://schemas.openxmlformats.org/officeDocument/2006/relationships" xmlns:p="http://schemas.openxmlformats.org/presentationml/2006/main" xmlns:m="http://schemas.openxmlformats.org/officeDocument/2006/math" xmlns:w="http://schemas.openxmlformats.org/wordprocessingml/2006/main">
-  <p:cSld name="">
+<p:notes xmlns:a="http://schemas.openxmlformats.org/drawingml/2006/main" xmlns:r="http://schemas.openxmlformats.org/officeDocument/2006/relationships" xmlns:p="http://schemas.openxmlformats.org/presentationml/2006/main">
+  <p:cSld>
     <p:spTree>
       <p:nvGrpSpPr>
         <p:cNvPr id="1" name=""/>
@@ -1601,7 +1522,7 @@
         <p:nvSpPr>
           <p:cNvPr id="2" name="Substituent imagine diapozitiv 1"/>
           <p:cNvSpPr>
-            <a:spLocks noChangeAspect="1" noGrp="1" noRot="1"/>
+            <a:spLocks noGrp="1" noRot="1" noChangeAspect="1"/>
           </p:cNvSpPr>
           <p:nvPr>
             <p:ph type="sldImg"/>
@@ -1743,14 +1664,6 @@
               </a:rPr>
               <a:t>Stripe</a:t>
             </a:r>
-            <a:endParaRPr sz="1200" b="1" i="0" u="none">
-              <a:solidFill>
-                <a:srgbClr val="000000"/>
-              </a:solidFill>
-              <a:latin typeface="Times New Roman"/>
-              <a:ea typeface="Times New Roman"/>
-              <a:cs typeface="Times New Roman"/>
-            </a:endParaRPr>
           </a:p>
           <a:p>
             <a:pPr marL="217793" indent="-217793">
@@ -1838,14 +1751,6 @@
               </a:rPr>
               <a:t> – o librărie JavaScript open-source</a:t>
             </a:r>
-            <a:endParaRPr sz="1200" b="0" i="0" u="none">
-              <a:solidFill>
-                <a:srgbClr val="000000"/>
-              </a:solidFill>
-              <a:latin typeface="Times New Roman"/>
-              <a:ea typeface="Times New Roman"/>
-              <a:cs typeface="Times New Roman"/>
-            </a:endParaRPr>
           </a:p>
           <a:p>
             <a:pPr marL="217793" indent="-217793">
@@ -1952,14 +1857,6 @@
               </a:rPr>
               <a:t> – folosit pentru:</a:t>
             </a:r>
-            <a:endParaRPr sz="1200" b="0" i="0" u="none">
-              <a:solidFill>
-                <a:srgbClr val="000000"/>
-              </a:solidFill>
-              <a:latin typeface="Times New Roman"/>
-              <a:ea typeface="Times New Roman"/>
-              <a:cs typeface="Times New Roman"/>
-            </a:endParaRPr>
           </a:p>
           <a:p>
             <a:pPr marL="617843" lvl="1" indent="-217793">
@@ -1978,14 +1875,6 @@
               </a:rPr>
               <a:t>Sugestii de adrese (autocomplete)</a:t>
             </a:r>
-            <a:endParaRPr sz="1200" b="0" i="0" u="none">
-              <a:solidFill>
-                <a:srgbClr val="000000"/>
-              </a:solidFill>
-              <a:latin typeface="Times New Roman"/>
-              <a:ea typeface="Times New Roman"/>
-              <a:cs typeface="Times New Roman"/>
-            </a:endParaRPr>
           </a:p>
           <a:p>
             <a:pPr marL="617843" lvl="1" indent="-217793">
@@ -2004,14 +1893,6 @@
               </a:rPr>
               <a:t>Obținerea numelui unui oraș după coordonate GPS</a:t>
             </a:r>
-            <a:endParaRPr sz="1200" b="0" i="0" u="none">
-              <a:solidFill>
-                <a:srgbClr val="000000"/>
-              </a:solidFill>
-              <a:latin typeface="Times New Roman"/>
-              <a:ea typeface="Times New Roman"/>
-              <a:cs typeface="Times New Roman"/>
-            </a:endParaRPr>
           </a:p>
           <a:p>
             <a:pPr marL="617843" lvl="1" indent="-217793">
@@ -2030,14 +1911,6 @@
               </a:rPr>
               <a:t>Alte funcții de geolocalizare</a:t>
             </a:r>
-            <a:endParaRPr sz="1200" b="0" i="0" u="none">
-              <a:solidFill>
-                <a:srgbClr val="000000"/>
-              </a:solidFill>
-              <a:latin typeface="Times New Roman"/>
-              <a:ea typeface="Times New Roman"/>
-              <a:cs typeface="Times New Roman"/>
-            </a:endParaRPr>
           </a:p>
           <a:p>
             <a:pPr marL="617843" lvl="1" indent="-217793">
@@ -2080,7 +1953,7 @@
             </a:pPr>
             <a:fld id="{D4B9A9E5-4F7F-4A7D-9DE1-899232329269}" type="slidenum">
               <a:rPr lang="en-US"/>
-              <a:t>5</a:t>
+              <a:t>4</a:t>
             </a:fld>
             <a:endParaRPr lang="en-US"/>
           </a:p>
@@ -2088,12 +1961,15 @@
       </p:sp>
     </p:spTree>
   </p:cSld>
+  <p:clrMapOvr>
+    <a:masterClrMapping/>
+  </p:clrMapOvr>
 </p:notes>
 </file>
 
 <file path=ppt/notesSlides/notesSlide5.xml><?xml version="1.0" encoding="utf-8"?>
-<p:notes xmlns:a="http://schemas.openxmlformats.org/drawingml/2006/main" xmlns:r="http://schemas.openxmlformats.org/officeDocument/2006/relationships" xmlns:p="http://schemas.openxmlformats.org/presentationml/2006/main" xmlns:m="http://schemas.openxmlformats.org/officeDocument/2006/math" xmlns:w="http://schemas.openxmlformats.org/wordprocessingml/2006/main">
-  <p:cSld name="">
+<p:notes xmlns:a="http://schemas.openxmlformats.org/drawingml/2006/main" xmlns:r="http://schemas.openxmlformats.org/officeDocument/2006/relationships" xmlns:p="http://schemas.openxmlformats.org/presentationml/2006/main">
+  <p:cSld>
     <p:spTree>
       <p:nvGrpSpPr>
         <p:cNvPr id="1" name=""/>
@@ -2112,7 +1988,7 @@
         <p:nvSpPr>
           <p:cNvPr id="2009645903" name="Substituent imagine diapozitiv 1"/>
           <p:cNvSpPr>
-            <a:spLocks noChangeAspect="1" noGrp="1" noRot="1"/>
+            <a:spLocks noGrp="1" noRot="1" noChangeAspect="1"/>
           </p:cNvSpPr>
           <p:nvPr>
             <p:ph type="sldImg"/>
@@ -2176,6 +2052,173 @@
                 <a:cs typeface="Times New Roman"/>
               </a:rPr>
               <a:t>Stocare – Azure Storage Account</a:t>
+            </a:r>
+          </a:p>
+          <a:p>
+            <a:pPr marL="217793" indent="-217793">
+              <a:buFont typeface="Arial"/>
+              <a:buChar char="–"/>
+              <a:defRPr/>
+            </a:pPr>
+            <a:r>
+              <a:rPr sz="1200" b="0" i="0" u="none">
+                <a:solidFill>
+                  <a:srgbClr val="000000"/>
+                </a:solidFill>
+                <a:latin typeface="Times New Roman"/>
+                <a:ea typeface="Times New Roman"/>
+                <a:cs typeface="Times New Roman"/>
+              </a:rPr>
+              <a:t>Se folosesc doar </a:t>
+            </a:r>
+            <a:r>
+              <a:rPr sz="1200" b="1" i="0" u="none">
+                <a:solidFill>
+                  <a:srgbClr val="000000"/>
+                </a:solidFill>
+                <a:latin typeface="Times New Roman"/>
+                <a:ea typeface="Times New Roman"/>
+                <a:cs typeface="Times New Roman"/>
+              </a:rPr>
+              <a:t>Azure Table Storage</a:t>
+            </a:r>
+            <a:r>
+              <a:rPr sz="1200" b="0" i="0" u="none">
+                <a:solidFill>
+                  <a:srgbClr val="000000"/>
+                </a:solidFill>
+                <a:latin typeface="Times New Roman"/>
+                <a:ea typeface="Times New Roman"/>
+                <a:cs typeface="Times New Roman"/>
+              </a:rPr>
+              <a:t> (bază de date NoSQL)</a:t>
+            </a:r>
+            <a:endParaRPr/>
+          </a:p>
+          <a:p>
+            <a:pPr marL="217793" indent="-217793">
+              <a:buFont typeface="Arial"/>
+              <a:buChar char="–"/>
+              <a:defRPr/>
+            </a:pPr>
+            <a:r>
+              <a:rPr sz="1200" b="0" i="0" u="none">
+                <a:solidFill>
+                  <a:srgbClr val="000000"/>
+                </a:solidFill>
+                <a:latin typeface="Times New Roman"/>
+                <a:ea typeface="Times New Roman"/>
+                <a:cs typeface="Times New Roman"/>
+              </a:rPr>
+              <a:t>Alegere motivată de:</a:t>
+            </a:r>
+          </a:p>
+          <a:p>
+            <a:pPr marL="617843" lvl="1" indent="-217793">
+              <a:buFont typeface="Arial"/>
+              <a:buChar char="–"/>
+              <a:defRPr/>
+            </a:pPr>
+            <a:r>
+              <a:rPr sz="1200" b="0" i="0" u="none">
+                <a:solidFill>
+                  <a:srgbClr val="000000"/>
+                </a:solidFill>
+                <a:latin typeface="Times New Roman"/>
+                <a:ea typeface="Times New Roman"/>
+                <a:cs typeface="Times New Roman"/>
+              </a:rPr>
+              <a:t>Costuri reduse</a:t>
+            </a:r>
+          </a:p>
+          <a:p>
+            <a:pPr marL="617843" lvl="1" indent="-217793">
+              <a:buFont typeface="Arial"/>
+              <a:buChar char="–"/>
+              <a:defRPr/>
+            </a:pPr>
+            <a:r>
+              <a:rPr sz="1200" b="0" i="0" u="none">
+                <a:solidFill>
+                  <a:srgbClr val="000000"/>
+                </a:solidFill>
+                <a:latin typeface="Times New Roman"/>
+                <a:ea typeface="Times New Roman"/>
+                <a:cs typeface="Times New Roman"/>
+              </a:rPr>
+              <a:t>Viteză mare de acces</a:t>
+            </a:r>
+          </a:p>
+          <a:p>
+            <a:pPr marL="617843" lvl="1" indent="-217793">
+              <a:buFont typeface="Arial"/>
+              <a:buChar char="–"/>
+              <a:defRPr/>
+            </a:pPr>
+            <a:r>
+              <a:rPr sz="1200" b="0" i="0" u="none">
+                <a:solidFill>
+                  <a:srgbClr val="000000"/>
+                </a:solidFill>
+                <a:latin typeface="Times New Roman"/>
+                <a:ea typeface="Times New Roman"/>
+                <a:cs typeface="Times New Roman"/>
+              </a:rPr>
+              <a:t>Suport pentru </a:t>
+            </a:r>
+            <a:r>
+              <a:rPr sz="1200" b="1" i="0" u="none">
+                <a:solidFill>
+                  <a:srgbClr val="000000"/>
+                </a:solidFill>
+                <a:latin typeface="Times New Roman"/>
+                <a:ea typeface="Times New Roman"/>
+                <a:cs typeface="Times New Roman"/>
+              </a:rPr>
+              <a:t>Blob Storage</a:t>
+            </a:r>
+            <a:r>
+              <a:rPr sz="1200" b="0" i="0" u="none">
+                <a:solidFill>
+                  <a:srgbClr val="000000"/>
+                </a:solidFill>
+                <a:latin typeface="Times New Roman"/>
+                <a:ea typeface="Times New Roman"/>
+                <a:cs typeface="Times New Roman"/>
+              </a:rPr>
+              <a:t> și </a:t>
+            </a:r>
+            <a:r>
+              <a:rPr sz="1200" b="1" i="0" u="none">
+                <a:solidFill>
+                  <a:srgbClr val="000000"/>
+                </a:solidFill>
+                <a:latin typeface="Times New Roman"/>
+                <a:ea typeface="Times New Roman"/>
+                <a:cs typeface="Times New Roman"/>
+              </a:rPr>
+              <a:t>Queue Mechanism</a:t>
+            </a:r>
+            <a:br>
+              <a:rPr sz="1200" b="1" i="0" u="none">
+                <a:solidFill>
+                  <a:srgbClr val="000000"/>
+                </a:solidFill>
+                <a:latin typeface="Times New Roman"/>
+                <a:ea typeface="Times New Roman"/>
+                <a:cs typeface="Times New Roman"/>
+              </a:rPr>
+            </a:br>
+            <a:r>
+              <a:rPr sz="1200" b="0" i="0" u="none">
+                <a:solidFill>
+                  <a:srgbClr val="000000"/>
+                </a:solidFill>
+                <a:latin typeface="Times New Roman"/>
+                <a:ea typeface="Times New Roman"/>
+                <a:cs typeface="Times New Roman"/>
+              </a:rPr>
+              <a:t>Ușor de extins cu:</a:t>
             </a:r>
             <a:endParaRPr sz="1200" b="1" i="0" u="none">
               <a:solidFill>
@@ -2187,205 +2230,6 @@
             </a:endParaRPr>
           </a:p>
           <a:p>
-            <a:pPr marL="217793" indent="-217793">
-              <a:buFont typeface="Arial"/>
-              <a:buChar char="–"/>
-              <a:defRPr/>
-            </a:pPr>
-            <a:r>
-              <a:rPr sz="1200" b="0" i="0" u="none">
-                <a:solidFill>
-                  <a:srgbClr val="000000"/>
-                </a:solidFill>
-                <a:latin typeface="Times New Roman"/>
-                <a:ea typeface="Times New Roman"/>
-                <a:cs typeface="Times New Roman"/>
-              </a:rPr>
-              <a:t>Se folosesc doar </a:t>
-            </a:r>
-            <a:r>
-              <a:rPr sz="1200" b="1" i="0" u="none">
-                <a:solidFill>
-                  <a:srgbClr val="000000"/>
-                </a:solidFill>
-                <a:latin typeface="Times New Roman"/>
-                <a:ea typeface="Times New Roman"/>
-                <a:cs typeface="Times New Roman"/>
-              </a:rPr>
-              <a:t>Azure Table Storage</a:t>
-            </a:r>
-            <a:r>
-              <a:rPr sz="1200" b="0" i="0" u="none">
-                <a:solidFill>
-                  <a:srgbClr val="000000"/>
-                </a:solidFill>
-                <a:latin typeface="Times New Roman"/>
-                <a:ea typeface="Times New Roman"/>
-                <a:cs typeface="Times New Roman"/>
-              </a:rPr>
-              <a:t> (bază de date NoSQL)</a:t>
-            </a:r>
-            <a:endParaRPr/>
-          </a:p>
-          <a:p>
-            <a:pPr marL="217793" indent="-217793">
-              <a:buFont typeface="Arial"/>
-              <a:buChar char="–"/>
-              <a:defRPr/>
-            </a:pPr>
-            <a:r>
-              <a:rPr sz="1200" b="0" i="0" u="none">
-                <a:solidFill>
-                  <a:srgbClr val="000000"/>
-                </a:solidFill>
-                <a:latin typeface="Times New Roman"/>
-                <a:ea typeface="Times New Roman"/>
-                <a:cs typeface="Times New Roman"/>
-              </a:rPr>
-              <a:t>Alegere motivată de:</a:t>
-            </a:r>
-            <a:endParaRPr sz="1200" b="0" i="0" u="none">
-              <a:solidFill>
-                <a:srgbClr val="000000"/>
-              </a:solidFill>
-              <a:latin typeface="Times New Roman"/>
-              <a:ea typeface="Times New Roman"/>
-              <a:cs typeface="Times New Roman"/>
-            </a:endParaRPr>
-          </a:p>
-          <a:p>
-            <a:pPr marL="617843" lvl="1" indent="-217793">
-              <a:buFont typeface="Arial"/>
-              <a:buChar char="–"/>
-              <a:defRPr/>
-            </a:pPr>
-            <a:r>
-              <a:rPr sz="1200" b="0" i="0" u="none">
-                <a:solidFill>
-                  <a:srgbClr val="000000"/>
-                </a:solidFill>
-                <a:latin typeface="Times New Roman"/>
-                <a:ea typeface="Times New Roman"/>
-                <a:cs typeface="Times New Roman"/>
-              </a:rPr>
-              <a:t>Costuri reduse</a:t>
-            </a:r>
-            <a:endParaRPr sz="1200" b="0" i="0" u="none">
-              <a:solidFill>
-                <a:srgbClr val="000000"/>
-              </a:solidFill>
-              <a:latin typeface="Times New Roman"/>
-              <a:ea typeface="Times New Roman"/>
-              <a:cs typeface="Times New Roman"/>
-            </a:endParaRPr>
-          </a:p>
-          <a:p>
-            <a:pPr marL="617843" lvl="1" indent="-217793">
-              <a:buFont typeface="Arial"/>
-              <a:buChar char="–"/>
-              <a:defRPr/>
-            </a:pPr>
-            <a:r>
-              <a:rPr sz="1200" b="0" i="0" u="none">
-                <a:solidFill>
-                  <a:srgbClr val="000000"/>
-                </a:solidFill>
-                <a:latin typeface="Times New Roman"/>
-                <a:ea typeface="Times New Roman"/>
-                <a:cs typeface="Times New Roman"/>
-              </a:rPr>
-              <a:t>Viteză mare de acces</a:t>
-            </a:r>
-            <a:endParaRPr sz="1200" b="0" i="0" u="none">
-              <a:solidFill>
-                <a:srgbClr val="000000"/>
-              </a:solidFill>
-              <a:latin typeface="Times New Roman"/>
-              <a:ea typeface="Times New Roman"/>
-              <a:cs typeface="Times New Roman"/>
-            </a:endParaRPr>
-          </a:p>
-          <a:p>
-            <a:pPr marL="617843" lvl="1" indent="-217793">
-              <a:buFont typeface="Arial"/>
-              <a:buChar char="–"/>
-              <a:defRPr/>
-            </a:pPr>
-            <a:r>
-              <a:rPr sz="1200" b="0" i="0" u="none">
-                <a:solidFill>
-                  <a:srgbClr val="000000"/>
-                </a:solidFill>
-                <a:latin typeface="Times New Roman"/>
-                <a:ea typeface="Times New Roman"/>
-                <a:cs typeface="Times New Roman"/>
-              </a:rPr>
-              <a:t>Suport pentru </a:t>
-            </a:r>
-            <a:r>
-              <a:rPr sz="1200" b="1" i="0" u="none">
-                <a:solidFill>
-                  <a:srgbClr val="000000"/>
-                </a:solidFill>
-                <a:latin typeface="Times New Roman"/>
-                <a:ea typeface="Times New Roman"/>
-                <a:cs typeface="Times New Roman"/>
-              </a:rPr>
-              <a:t>Blob Storage</a:t>
-            </a:r>
-            <a:r>
-              <a:rPr sz="1200" b="0" i="0" u="none">
-                <a:solidFill>
-                  <a:srgbClr val="000000"/>
-                </a:solidFill>
-                <a:latin typeface="Times New Roman"/>
-                <a:ea typeface="Times New Roman"/>
-                <a:cs typeface="Times New Roman"/>
-              </a:rPr>
-              <a:t> și </a:t>
-            </a:r>
-            <a:r>
-              <a:rPr sz="1200" b="1" i="0" u="none">
-                <a:solidFill>
-                  <a:srgbClr val="000000"/>
-                </a:solidFill>
-                <a:latin typeface="Times New Roman"/>
-                <a:ea typeface="Times New Roman"/>
-                <a:cs typeface="Times New Roman"/>
-              </a:rPr>
-              <a:t>Queue Mechanism</a:t>
-            </a:r>
-            <a:br>
-              <a:rPr sz="1200" b="1" i="0" u="none">
-                <a:solidFill>
-                  <a:srgbClr val="000000"/>
-                </a:solidFill>
-                <a:latin typeface="Times New Roman"/>
-                <a:ea typeface="Times New Roman"/>
-                <a:cs typeface="Times New Roman"/>
-              </a:rPr>
-            </a:br>
-            <a:r>
-              <a:rPr sz="1200" b="0" i="0" u="none">
-                <a:solidFill>
-                  <a:srgbClr val="000000"/>
-                </a:solidFill>
-                <a:latin typeface="Times New Roman"/>
-                <a:ea typeface="Times New Roman"/>
-                <a:cs typeface="Times New Roman"/>
-              </a:rPr>
-              <a:t>Ușor de extins cu:</a:t>
-            </a:r>
-            <a:endParaRPr sz="1200" b="1" i="0" u="none">
-              <a:solidFill>
-                <a:srgbClr val="000000"/>
-              </a:solidFill>
-              <a:latin typeface="Times New Roman"/>
-              <a:ea typeface="Times New Roman"/>
-              <a:cs typeface="Times New Roman"/>
-            </a:endParaRPr>
-          </a:p>
-          <a:p>
             <a:pPr marL="617843" lvl="1" indent="-217793">
               <a:buFont typeface="Arial"/>
               <a:buChar char="–"/>
@@ -2413,14 +2257,6 @@
               </a:rPr>
               <a:t> pentru notificări</a:t>
             </a:r>
-            <a:endParaRPr sz="1200" b="0" i="0" u="none">
-              <a:solidFill>
-                <a:srgbClr val="000000"/>
-              </a:solidFill>
-              <a:latin typeface="Times New Roman"/>
-              <a:ea typeface="Times New Roman"/>
-              <a:cs typeface="Times New Roman"/>
-            </a:endParaRPr>
           </a:p>
           <a:p>
             <a:pPr marL="617843" lvl="1" indent="-217793">
@@ -2439,14 +2275,6 @@
               </a:rPr>
               <a:t>Funcționalități suplimentare la scară mare</a:t>
             </a:r>
-            <a:endParaRPr sz="1200" b="0" i="0" u="none">
-              <a:solidFill>
-                <a:srgbClr val="000000"/>
-              </a:solidFill>
-              <a:latin typeface="Times New Roman"/>
-              <a:ea typeface="Times New Roman"/>
-              <a:cs typeface="Times New Roman"/>
-            </a:endParaRPr>
           </a:p>
           <a:p>
             <a:pPr>
@@ -2814,7 +2642,7 @@
             </a:pPr>
             <a:fld id="{B6D3A9B9-2B00-1074-FC04-657201AEFF2E}" type="slidenum">
               <a:rPr lang="en-US"/>
-              <a:t/>
+              <a:t>5</a:t>
             </a:fld>
             <a:endParaRPr lang="en-US"/>
           </a:p>
@@ -2822,12 +2650,15 @@
       </p:sp>
     </p:spTree>
   </p:cSld>
+  <p:clrMapOvr>
+    <a:masterClrMapping/>
+  </p:clrMapOvr>
 </p:notes>
 </file>
 
 <file path=ppt/notesSlides/notesSlide6.xml><?xml version="1.0" encoding="utf-8"?>
-<p:notes xmlns:a="http://schemas.openxmlformats.org/drawingml/2006/main" xmlns:r="http://schemas.openxmlformats.org/officeDocument/2006/relationships" xmlns:p="http://schemas.openxmlformats.org/presentationml/2006/main" xmlns:m="http://schemas.openxmlformats.org/officeDocument/2006/math" xmlns:w="http://schemas.openxmlformats.org/wordprocessingml/2006/main">
-  <p:cSld name="">
+<p:notes xmlns:a="http://schemas.openxmlformats.org/drawingml/2006/main" xmlns:r="http://schemas.openxmlformats.org/officeDocument/2006/relationships" xmlns:p="http://schemas.openxmlformats.org/presentationml/2006/main">
+  <p:cSld>
     <p:spTree>
       <p:nvGrpSpPr>
         <p:cNvPr id="1" name=""/>
@@ -2846,7 +2677,7 @@
         <p:nvSpPr>
           <p:cNvPr id="2" name="Substituent imagine diapozitiv 1"/>
           <p:cNvSpPr>
-            <a:spLocks noChangeAspect="1" noGrp="1" noRot="1"/>
+            <a:spLocks noGrp="1" noRot="1" noChangeAspect="1"/>
           </p:cNvSpPr>
           <p:nvPr>
             <p:ph type="sldImg"/>
@@ -2902,14 +2733,6 @@
               </a:rPr>
               <a:t>Afișează locația curentă</a:t>
             </a:r>
-            <a:endParaRPr sz="1200" b="0" i="0" u="none">
-              <a:solidFill>
-                <a:srgbClr val="000000"/>
-              </a:solidFill>
-              <a:latin typeface="Times New Roman"/>
-              <a:ea typeface="Times New Roman"/>
-              <a:cs typeface="Times New Roman"/>
-            </a:endParaRPr>
           </a:p>
           <a:p>
             <a:pPr marL="217793" indent="-217793">
@@ -2928,14 +2751,6 @@
               </a:rPr>
               <a:t>Permite plasarea unui pin prin click</a:t>
             </a:r>
-            <a:endParaRPr sz="1200" b="0" i="0" u="none">
-              <a:solidFill>
-                <a:srgbClr val="000000"/>
-              </a:solidFill>
-              <a:latin typeface="Times New Roman"/>
-              <a:ea typeface="Times New Roman"/>
-              <a:cs typeface="Times New Roman"/>
-            </a:endParaRPr>
           </a:p>
           <a:p>
             <a:pPr marL="217793" indent="-217793">
@@ -3001,14 +2816,6 @@
               </a:rPr>
               <a:t>Avertizează că aplicația rulează în modul de dezvoltare</a:t>
             </a:r>
-            <a:endParaRPr sz="1200" b="0" i="0" u="none">
-              <a:solidFill>
-                <a:srgbClr val="000000"/>
-              </a:solidFill>
-              <a:latin typeface="Times New Roman"/>
-              <a:ea typeface="Times New Roman"/>
-              <a:cs typeface="Times New Roman"/>
-            </a:endParaRPr>
           </a:p>
           <a:p>
             <a:pPr marL="217793" indent="-217793">
@@ -3077,14 +2884,6 @@
               </a:rPr>
               <a:t>Navigation Bar</a:t>
             </a:r>
-            <a:endParaRPr sz="1200" b="1" i="0" u="none">
-              <a:solidFill>
-                <a:srgbClr val="000000"/>
-              </a:solidFill>
-              <a:latin typeface="Times New Roman"/>
-              <a:ea typeface="Times New Roman"/>
-              <a:cs typeface="Times New Roman"/>
-            </a:endParaRPr>
           </a:p>
           <a:p>
             <a:pPr>
@@ -3129,14 +2928,6 @@
               </a:rPr>
               <a:t>Bara de căutare (Search)</a:t>
             </a:r>
-            <a:endParaRPr sz="1200" b="1" i="0" u="none">
-              <a:solidFill>
-                <a:srgbClr val="000000"/>
-              </a:solidFill>
-              <a:latin typeface="Times New Roman"/>
-              <a:ea typeface="Times New Roman"/>
-              <a:cs typeface="Times New Roman"/>
-            </a:endParaRPr>
           </a:p>
           <a:p>
             <a:pPr marL="217793" indent="-217793">
@@ -3155,14 +2946,6 @@
               </a:rPr>
               <a:t>Permite introducerea și căutarea de adrese</a:t>
             </a:r>
-            <a:endParaRPr sz="1200" b="0" i="0" u="none">
-              <a:solidFill>
-                <a:srgbClr val="000000"/>
-              </a:solidFill>
-              <a:latin typeface="Times New Roman"/>
-              <a:ea typeface="Times New Roman"/>
-              <a:cs typeface="Times New Roman"/>
-            </a:endParaRPr>
           </a:p>
           <a:p>
             <a:pPr marL="217793" indent="-217793">
@@ -3299,7 +3082,7 @@
             </a:pPr>
             <a:fld id="{D4B9A9E5-4F7F-4A7D-9DE1-899232329269}" type="slidenum">
               <a:rPr lang="en-US"/>
-              <a:t>3</a:t>
+              <a:t>6</a:t>
             </a:fld>
             <a:endParaRPr lang="en-US"/>
           </a:p>
@@ -3307,12 +3090,15 @@
       </p:sp>
     </p:spTree>
   </p:cSld>
+  <p:clrMapOvr>
+    <a:masterClrMapping/>
+  </p:clrMapOvr>
 </p:notes>
 </file>
 
 <file path=ppt/notesSlides/notesSlide7.xml><?xml version="1.0" encoding="utf-8"?>
-<p:notes xmlns:a="http://schemas.openxmlformats.org/drawingml/2006/main" xmlns:r="http://schemas.openxmlformats.org/officeDocument/2006/relationships" xmlns:p="http://schemas.openxmlformats.org/presentationml/2006/main" xmlns:m="http://schemas.openxmlformats.org/officeDocument/2006/math" xmlns:w="http://schemas.openxmlformats.org/wordprocessingml/2006/main">
-  <p:cSld name="">
+<p:notes xmlns:a="http://schemas.openxmlformats.org/drawingml/2006/main" xmlns:r="http://schemas.openxmlformats.org/officeDocument/2006/relationships" xmlns:p="http://schemas.openxmlformats.org/presentationml/2006/main">
+  <p:cSld>
     <p:spTree>
       <p:nvGrpSpPr>
         <p:cNvPr id="1" name=""/>
@@ -3331,7 +3117,7 @@
         <p:nvSpPr>
           <p:cNvPr id="1643772041" name="Substituent imagine diapozitiv 1"/>
           <p:cNvSpPr>
-            <a:spLocks noChangeAspect="1" noGrp="1" noRot="1"/>
+            <a:spLocks noGrp="1" noRot="1" noChangeAspect="1"/>
           </p:cNvSpPr>
           <p:nvPr>
             <p:ph type="sldImg"/>
@@ -3398,14 +3184,6 @@
               </a:rPr>
               <a:t>costul cursei</a:t>
             </a:r>
-            <a:endParaRPr sz="1200" b="1" i="0" u="none">
-              <a:solidFill>
-                <a:srgbClr val="000000"/>
-              </a:solidFill>
-              <a:latin typeface="Times New Roman"/>
-              <a:ea typeface="Times New Roman"/>
-              <a:cs typeface="Times New Roman"/>
-            </a:endParaRPr>
           </a:p>
           <a:p>
             <a:pPr marL="217793" indent="-217793">
@@ -3435,14 +3213,6 @@
               </a:rPr>
               <a:t>cardul bancar</a:t>
             </a:r>
-            <a:endParaRPr sz="1200" b="1" i="0" u="none">
-              <a:solidFill>
-                <a:srgbClr val="000000"/>
-              </a:solidFill>
-              <a:latin typeface="Times New Roman"/>
-              <a:ea typeface="Times New Roman"/>
-              <a:cs typeface="Times New Roman"/>
-            </a:endParaRPr>
           </a:p>
           <a:p>
             <a:pPr marL="217793" indent="-217793">
@@ -3519,14 +3289,6 @@
               </a:rPr>
               <a:t>acceptă</a:t>
             </a:r>
-            <a:endParaRPr sz="1200" b="1" i="0" u="none">
-              <a:solidFill>
-                <a:srgbClr val="000000"/>
-              </a:solidFill>
-              <a:latin typeface="Times New Roman"/>
-              <a:ea typeface="Times New Roman"/>
-              <a:cs typeface="Times New Roman"/>
-            </a:endParaRPr>
           </a:p>
           <a:p>
             <a:pPr marL="217793" indent="-217793">
@@ -3556,14 +3318,6 @@
               </a:rPr>
               <a:t>informațiile șoferului</a:t>
             </a:r>
-            <a:endParaRPr sz="1200" b="1" i="0" u="none">
-              <a:solidFill>
-                <a:srgbClr val="000000"/>
-              </a:solidFill>
-              <a:latin typeface="Times New Roman"/>
-              <a:ea typeface="Times New Roman"/>
-              <a:cs typeface="Times New Roman"/>
-            </a:endParaRPr>
           </a:p>
           <a:p>
             <a:pPr marL="217793" indent="-217793">
@@ -3698,14 +3452,6 @@
               </a:rPr>
               <a:t>număr de telefon</a:t>
             </a:r>
-            <a:endParaRPr sz="1200" b="1" i="0" u="none">
-              <a:solidFill>
-                <a:srgbClr val="000000"/>
-              </a:solidFill>
-              <a:latin typeface="Times New Roman"/>
-              <a:ea typeface="Times New Roman"/>
-              <a:cs typeface="Times New Roman"/>
-            </a:endParaRPr>
           </a:p>
           <a:p>
             <a:pPr marL="217793" indent="-217793">
@@ -3746,14 +3492,6 @@
               </a:rPr>
               <a:t> pentru:</a:t>
             </a:r>
-            <a:endParaRPr sz="1200" b="0" i="0" u="none">
-              <a:solidFill>
-                <a:srgbClr val="000000"/>
-              </a:solidFill>
-              <a:latin typeface="Times New Roman"/>
-              <a:ea typeface="Times New Roman"/>
-              <a:cs typeface="Times New Roman"/>
-            </a:endParaRPr>
           </a:p>
           <a:p>
             <a:pPr marL="617843" lvl="1" indent="-217793">
@@ -3772,14 +3510,6 @@
               </a:rPr>
               <a:t>Schimbarea numelui</a:t>
             </a:r>
-            <a:endParaRPr sz="1200" b="0" i="0" u="none">
-              <a:solidFill>
-                <a:srgbClr val="000000"/>
-              </a:solidFill>
-              <a:latin typeface="Times New Roman"/>
-              <a:ea typeface="Times New Roman"/>
-              <a:cs typeface="Times New Roman"/>
-            </a:endParaRPr>
           </a:p>
           <a:p>
             <a:pPr marL="617843" lvl="1" indent="-217793">
@@ -3845,14 +3575,6 @@
               </a:rPr>
               <a:t>Poate modifica:</a:t>
             </a:r>
-            <a:endParaRPr sz="1200" b="0" i="0" u="none">
-              <a:solidFill>
-                <a:srgbClr val="000000"/>
-              </a:solidFill>
-              <a:latin typeface="Times New Roman"/>
-              <a:ea typeface="Times New Roman"/>
-              <a:cs typeface="Times New Roman"/>
-            </a:endParaRPr>
           </a:p>
           <a:p>
             <a:pPr marL="617843" lvl="1" indent="-217793">
@@ -3882,14 +3604,6 @@
               </a:rPr>
               <a:t> utilizatorilor (ex. client, șofer, admin)</a:t>
             </a:r>
-            <a:endParaRPr sz="1200" b="0" i="0" u="none">
-              <a:solidFill>
-                <a:srgbClr val="000000"/>
-              </a:solidFill>
-              <a:latin typeface="Times New Roman"/>
-              <a:ea typeface="Times New Roman"/>
-              <a:cs typeface="Times New Roman"/>
-            </a:endParaRPr>
           </a:p>
           <a:p>
             <a:pPr marL="617843" lvl="1" indent="-217793">
@@ -3943,7 +3657,7 @@
             </a:pPr>
             <a:fld id="{9AB6E46A-2A21-A9BB-32BE-CCBB8A330762}" type="slidenum">
               <a:rPr lang="en-US"/>
-              <a:t/>
+              <a:t>7</a:t>
             </a:fld>
             <a:endParaRPr lang="en-US"/>
           </a:p>
@@ -3951,12 +3665,15 @@
       </p:sp>
     </p:spTree>
   </p:cSld>
+  <p:clrMapOvr>
+    <a:masterClrMapping/>
+  </p:clrMapOvr>
 </p:notes>
 </file>
 
 <file path=ppt/notesSlides/notesSlide8.xml><?xml version="1.0" encoding="utf-8"?>
-<p:notes xmlns:a="http://schemas.openxmlformats.org/drawingml/2006/main" xmlns:r="http://schemas.openxmlformats.org/officeDocument/2006/relationships" xmlns:p="http://schemas.openxmlformats.org/presentationml/2006/main" xmlns:m="http://schemas.openxmlformats.org/officeDocument/2006/math" xmlns:w="http://schemas.openxmlformats.org/wordprocessingml/2006/main">
-  <p:cSld name="">
+<p:notes xmlns:a="http://schemas.openxmlformats.org/drawingml/2006/main" xmlns:r="http://schemas.openxmlformats.org/officeDocument/2006/relationships" xmlns:p="http://schemas.openxmlformats.org/presentationml/2006/main">
+  <p:cSld>
     <p:spTree>
       <p:nvGrpSpPr>
         <p:cNvPr id="1" name=""/>
@@ -3975,7 +3692,7 @@
         <p:nvSpPr>
           <p:cNvPr id="2" name="Substituent imagine diapozitiv 1"/>
           <p:cNvSpPr>
-            <a:spLocks noChangeAspect="1" noGrp="1" noRot="1"/>
+            <a:spLocks noGrp="1" noRot="1" noChangeAspect="1"/>
           </p:cNvSpPr>
           <p:nvPr>
             <p:ph type="sldImg"/>
@@ -4003,81 +3720,8 @@
             </a:pPr>
             <a:r>
               <a:rPr lang="en-US"/>
-              <a:t>Multumesc</a:t>
-            </a:r>
-            <a:r>
-              <a:rPr lang="en-US"/>
-              <a:t> </a:t>
-            </a:r>
-            <a:r>
-              <a:rPr lang="en-US"/>
-              <a:t>pentru</a:t>
-            </a:r>
-            <a:r>
-              <a:rPr lang="en-US"/>
-              <a:t> </a:t>
-            </a:r>
-            <a:r>
-              <a:rPr lang="en-US"/>
-              <a:t>atentie</a:t>
-            </a:r>
-            <a:r>
-              <a:rPr lang="en-US"/>
-              <a:t>, </a:t>
-            </a:r>
-            <a:r>
-              <a:rPr lang="en-US"/>
-              <a:t>acum</a:t>
-            </a:r>
-            <a:r>
-              <a:rPr lang="en-US"/>
-              <a:t> </a:t>
-            </a:r>
-            <a:r>
-              <a:rPr lang="en-US"/>
-              <a:t>haideti</a:t>
-            </a:r>
-            <a:r>
-              <a:rPr lang="en-US"/>
-              <a:t> </a:t>
-            </a:r>
-            <a:r>
-              <a:rPr lang="en-US"/>
-              <a:t>sa</a:t>
-            </a:r>
-            <a:r>
-              <a:rPr lang="en-US"/>
-              <a:t> </a:t>
-            </a:r>
-            <a:r>
-              <a:rPr lang="en-US"/>
-              <a:t>vedem</a:t>
-            </a:r>
-            <a:r>
-              <a:rPr lang="en-US"/>
-              <a:t> cum </a:t>
-            </a:r>
-            <a:r>
-              <a:rPr lang="en-US"/>
-              <a:t>arata</a:t>
-            </a:r>
-            <a:r>
-              <a:rPr lang="en-US"/>
-              <a:t> </a:t>
-            </a:r>
-            <a:r>
-              <a:rPr lang="en-US"/>
-              <a:t>si</a:t>
-            </a:r>
-            <a:r>
-              <a:rPr lang="en-US"/>
-              <a:t> real </a:t>
-            </a:r>
-            <a:r>
-              <a:rPr lang="en-US"/>
-              <a:t>aplicatia</a:t>
-            </a:r>
-            <a:endParaRPr lang="en-US"/>
+              <a:t>Multumesc pentru atentie, acum haideti sa vedem cum arata si real aplicatia</a:t>
+            </a:r>
           </a:p>
         </p:txBody>
       </p:sp>
@@ -4101,7 +3745,7 @@
             </a:pPr>
             <a:fld id="{D4B9A9E5-4F7F-4A7D-9DE1-899232329269}" type="slidenum">
               <a:rPr lang="en-US"/>
-              <a:t>6</a:t>
+              <a:t>8</a:t>
             </a:fld>
             <a:endParaRPr lang="en-US"/>
           </a:p>
@@ -4109,17 +3753,21 @@
       </p:sp>
     </p:spTree>
   </p:cSld>
+  <p:clrMapOvr>
+    <a:masterClrMapping/>
+  </p:clrMapOvr>
 </p:notes>
 </file>
 
 <file path=ppt/slideLayouts/slideLayout1.xml><?xml version="1.0" encoding="utf-8"?>
-<p:sldLayout xmlns:a="http://schemas.openxmlformats.org/drawingml/2006/main" xmlns:r="http://schemas.openxmlformats.org/officeDocument/2006/relationships" xmlns:p="http://schemas.openxmlformats.org/presentationml/2006/main" xmlns:m="http://schemas.openxmlformats.org/officeDocument/2006/math" xmlns:w="http://schemas.openxmlformats.org/wordprocessingml/2006/main" matchingName="" preserve="1" showMasterPhAnim="0" showMasterSp="1" type="title" userDrawn="1">
+<p:sldLayout xmlns:a="http://schemas.openxmlformats.org/drawingml/2006/main" xmlns:r="http://schemas.openxmlformats.org/officeDocument/2006/relationships" xmlns:p="http://schemas.openxmlformats.org/presentationml/2006/main" showMasterPhAnim="0" type="title" preserve="1" userDrawn="1">
   <p:cSld name="Title Slide">
     <p:bg>
-      <p:bgPr shadeToTitle="0">
+      <p:bgPr>
         <a:solidFill>
           <a:schemeClr val="accent2"/>
         </a:solidFill>
+        <a:effectLst/>
       </p:bgPr>
     </p:bg>
     <p:spTree>
@@ -4276,7 +3924,7 @@
               </a:ext>
             </a:extLst>
           </a:blip>
-          <a:srcRect l="9358" t="23650" r="0" b="-1"/>
+          <a:srcRect l="9358" t="23650" b="-1"/>
           <a:stretch/>
         </p:blipFill>
         <p:spPr bwMode="auto">
@@ -4298,13 +3946,14 @@
 </file>
 
 <file path=ppt/slideLayouts/slideLayout10.xml><?xml version="1.0" encoding="utf-8"?>
-<p:sldLayout xmlns:a="http://schemas.openxmlformats.org/drawingml/2006/main" xmlns:r="http://schemas.openxmlformats.org/officeDocument/2006/relationships" xmlns:p="http://schemas.openxmlformats.org/presentationml/2006/main" xmlns:m="http://schemas.openxmlformats.org/officeDocument/2006/math" xmlns:w="http://schemas.openxmlformats.org/wordprocessingml/2006/main" matchingName="" preserve="1" showMasterPhAnim="0" showMasterSp="1" userDrawn="1">
+<p:sldLayout xmlns:a="http://schemas.openxmlformats.org/drawingml/2006/main" xmlns:r="http://schemas.openxmlformats.org/officeDocument/2006/relationships" xmlns:p="http://schemas.openxmlformats.org/presentationml/2006/main" showMasterPhAnim="0" preserve="1" userDrawn="1">
   <p:cSld name="Market comparison">
     <p:bg>
-      <p:bgPr shadeToTitle="0">
+      <p:bgPr>
         <a:solidFill>
           <a:schemeClr val="accent2"/>
         </a:solidFill>
+        <a:effectLst/>
       </p:bgPr>
     </p:bg>
     <p:spTree>
@@ -5356,13 +5005,14 @@
 </file>
 
 <file path=ppt/slideLayouts/slideLayout11.xml><?xml version="1.0" encoding="utf-8"?>
-<p:sldLayout xmlns:a="http://schemas.openxmlformats.org/drawingml/2006/main" xmlns:r="http://schemas.openxmlformats.org/officeDocument/2006/relationships" xmlns:p="http://schemas.openxmlformats.org/presentationml/2006/main" xmlns:m="http://schemas.openxmlformats.org/officeDocument/2006/math" xmlns:w="http://schemas.openxmlformats.org/wordprocessingml/2006/main" matchingName="" preserve="1" showMasterPhAnim="0" showMasterSp="1" type="twoTxTwoObj" userDrawn="1">
+<p:sldLayout xmlns:a="http://schemas.openxmlformats.org/drawingml/2006/main" xmlns:r="http://schemas.openxmlformats.org/officeDocument/2006/relationships" xmlns:p="http://schemas.openxmlformats.org/presentationml/2006/main" showMasterPhAnim="0" type="twoTxTwoObj" preserve="1" userDrawn="1">
   <p:cSld name="Two Content">
     <p:bg>
-      <p:bgPr shadeToTitle="0">
+      <p:bgPr>
         <a:solidFill>
           <a:schemeClr val="accent1"/>
         </a:solidFill>
+        <a:effectLst/>
       </p:bgPr>
     </p:bg>
     <p:spTree>
@@ -5988,7 +5638,7 @@
               </a:ext>
             </a:extLst>
           </a:blip>
-          <a:srcRect l="39434" t="20278" r="0" b="22673"/>
+          <a:srcRect l="39434" t="20278" b="22673"/>
           <a:stretch/>
         </p:blipFill>
         <p:spPr bwMode="auto">
@@ -6010,7 +5660,7 @@
 </file>
 
 <file path=ppt/slideLayouts/slideLayout12.xml><?xml version="1.0" encoding="utf-8"?>
-<p:sldLayout xmlns:a="http://schemas.openxmlformats.org/drawingml/2006/main" xmlns:r="http://schemas.openxmlformats.org/officeDocument/2006/relationships" xmlns:p="http://schemas.openxmlformats.org/presentationml/2006/main" xmlns:m="http://schemas.openxmlformats.org/officeDocument/2006/math" xmlns:w="http://schemas.openxmlformats.org/wordprocessingml/2006/main" matchingName="" preserve="1" showMasterPhAnim="0" showMasterSp="1" userDrawn="1">
+<p:sldLayout xmlns:a="http://schemas.openxmlformats.org/drawingml/2006/main" xmlns:r="http://schemas.openxmlformats.org/officeDocument/2006/relationships" xmlns:p="http://schemas.openxmlformats.org/presentationml/2006/main" showMasterPhAnim="0" preserve="1" userDrawn="1">
   <p:cSld name="Content">
     <p:spTree>
       <p:nvGrpSpPr>
@@ -6042,7 +5692,7 @@
               </a:ext>
             </a:extLst>
           </a:blip>
-          <a:srcRect l="0" t="18301" r="41825" b="23070"/>
+          <a:srcRect t="18301" r="41825" b="23070"/>
           <a:stretch/>
         </p:blipFill>
         <p:spPr bwMode="auto">
@@ -6079,7 +5729,7 @@
             </a:cxnLst>
             <a:rect l="l" t="t" r="r" b="b"/>
             <a:pathLst>
-              <a:path w="5441888" h="6858000" fill="norm" stroke="1" extrusionOk="0">
+              <a:path w="5441888" h="6858000" extrusionOk="0">
                 <a:moveTo>
                   <a:pt x="5441888" y="0"/>
                 </a:moveTo>
@@ -6550,7 +6200,7 @@
 </file>
 
 <file path=ppt/slideLayouts/slideLayout13.xml><?xml version="1.0" encoding="utf-8"?>
-<p:sldLayout xmlns:a="http://schemas.openxmlformats.org/drawingml/2006/main" xmlns:r="http://schemas.openxmlformats.org/officeDocument/2006/relationships" xmlns:p="http://schemas.openxmlformats.org/presentationml/2006/main" xmlns:m="http://schemas.openxmlformats.org/officeDocument/2006/math" xmlns:w="http://schemas.openxmlformats.org/wordprocessingml/2006/main" matchingName="" preserve="1" showMasterPhAnim="0" showMasterSp="1" userDrawn="1">
+<p:sldLayout xmlns:a="http://schemas.openxmlformats.org/drawingml/2006/main" xmlns:r="http://schemas.openxmlformats.org/officeDocument/2006/relationships" xmlns:p="http://schemas.openxmlformats.org/presentationml/2006/main" showMasterPhAnim="0" preserve="1" userDrawn="1">
   <p:cSld name="Timeline 2">
     <p:spTree>
       <p:nvGrpSpPr>
@@ -7999,7 +7649,7 @@
 </file>
 
 <file path=ppt/slideLayouts/slideLayout14.xml><?xml version="1.0" encoding="utf-8"?>
-<p:sldLayout xmlns:a="http://schemas.openxmlformats.org/drawingml/2006/main" xmlns:r="http://schemas.openxmlformats.org/officeDocument/2006/relationships" xmlns:p="http://schemas.openxmlformats.org/presentationml/2006/main" xmlns:m="http://schemas.openxmlformats.org/officeDocument/2006/math" xmlns:w="http://schemas.openxmlformats.org/wordprocessingml/2006/main" matchingName="" preserve="1" showMasterPhAnim="0" showMasterSp="1" userDrawn="1">
+<p:sldLayout xmlns:a="http://schemas.openxmlformats.org/drawingml/2006/main" xmlns:r="http://schemas.openxmlformats.org/officeDocument/2006/relationships" xmlns:p="http://schemas.openxmlformats.org/presentationml/2006/main" showMasterPhAnim="0" preserve="1" userDrawn="1">
   <p:cSld name="Smart Art">
     <p:bg>
       <p:bgRef idx="1001">
@@ -8310,7 +7960,7 @@
 </file>
 
 <file path=ppt/slideLayouts/slideLayout15.xml><?xml version="1.0" encoding="utf-8"?>
-<p:sldLayout xmlns:a="http://schemas.openxmlformats.org/drawingml/2006/main" xmlns:r="http://schemas.openxmlformats.org/officeDocument/2006/relationships" xmlns:p="http://schemas.openxmlformats.org/presentationml/2006/main" xmlns:m="http://schemas.openxmlformats.org/officeDocument/2006/math" xmlns:w="http://schemas.openxmlformats.org/wordprocessingml/2006/main" matchingName="" preserve="1" showMasterPhAnim="0" showMasterSp="1" userDrawn="1">
+<p:sldLayout xmlns:a="http://schemas.openxmlformats.org/drawingml/2006/main" xmlns:r="http://schemas.openxmlformats.org/officeDocument/2006/relationships" xmlns:p="http://schemas.openxmlformats.org/presentationml/2006/main" showMasterPhAnim="0" preserve="1" userDrawn="1">
   <p:cSld name="Team Slide 4 People">
     <p:bg>
       <p:bgRef idx="1001">
@@ -8430,7 +8080,6 @@
               <a:rPr lang="en-US"/>
               <a:t>Click icon to add picture</a:t>
             </a:r>
-            <a:endParaRPr lang="en-US"/>
           </a:p>
         </p:txBody>
       </p:sp>
@@ -8486,7 +8135,6 @@
               <a:rPr lang="en-US"/>
               <a:t>Click icon to add picture</a:t>
             </a:r>
-            <a:endParaRPr lang="en-US"/>
           </a:p>
         </p:txBody>
       </p:sp>
@@ -8546,7 +8194,6 @@
               <a:rPr lang="en-US"/>
               <a:t>Click icon to add picture</a:t>
             </a:r>
-            <a:endParaRPr lang="en-US"/>
           </a:p>
         </p:txBody>
       </p:sp>
@@ -8602,7 +8249,6 @@
               <a:rPr lang="en-US"/>
               <a:t>Click icon to add picture</a:t>
             </a:r>
-            <a:endParaRPr lang="en-US"/>
           </a:p>
         </p:txBody>
       </p:sp>
@@ -9423,13 +9069,14 @@
 </file>
 
 <file path=ppt/slideLayouts/slideLayout16.xml><?xml version="1.0" encoding="utf-8"?>
-<p:sldLayout xmlns:a="http://schemas.openxmlformats.org/drawingml/2006/main" xmlns:r="http://schemas.openxmlformats.org/officeDocument/2006/relationships" xmlns:p="http://schemas.openxmlformats.org/presentationml/2006/main" xmlns:m="http://schemas.openxmlformats.org/officeDocument/2006/math" xmlns:w="http://schemas.openxmlformats.org/wordprocessingml/2006/main" matchingName="" preserve="1" showMasterPhAnim="0" showMasterSp="1" userDrawn="1">
+<p:sldLayout xmlns:a="http://schemas.openxmlformats.org/drawingml/2006/main" xmlns:r="http://schemas.openxmlformats.org/officeDocument/2006/relationships" xmlns:p="http://schemas.openxmlformats.org/presentationml/2006/main" showMasterPhAnim="0" preserve="1" userDrawn="1">
   <p:cSld name="Team Slide 8 People">
     <p:bg>
-      <p:bgPr shadeToTitle="0">
+      <p:bgPr>
         <a:solidFill>
           <a:schemeClr val="accent2"/>
         </a:solidFill>
+        <a:effectLst/>
       </p:bgPr>
     </p:bg>
     <p:spTree>
@@ -9543,7 +9190,6 @@
               <a:rPr lang="en-US"/>
               <a:t>Click icon to add picture</a:t>
             </a:r>
-            <a:endParaRPr lang="en-US"/>
           </a:p>
         </p:txBody>
       </p:sp>
@@ -9597,7 +9243,6 @@
               <a:rPr lang="en-US"/>
               <a:t>Click icon to add picture</a:t>
             </a:r>
-            <a:endParaRPr lang="en-US"/>
           </a:p>
         </p:txBody>
       </p:sp>
@@ -9662,7 +9307,6 @@
               <a:rPr lang="en-US"/>
               <a:t>Click icon to add picture</a:t>
             </a:r>
-            <a:endParaRPr lang="en-US"/>
           </a:p>
         </p:txBody>
       </p:sp>
@@ -9716,7 +9360,6 @@
               <a:rPr lang="en-US"/>
               <a:t>Click icon to add picture</a:t>
             </a:r>
-            <a:endParaRPr lang="en-US"/>
           </a:p>
         </p:txBody>
       </p:sp>
@@ -10410,7 +10053,6 @@
               <a:rPr lang="en-US"/>
               <a:t>Click icon to add picture</a:t>
             </a:r>
-            <a:endParaRPr lang="en-US"/>
           </a:p>
         </p:txBody>
       </p:sp>
@@ -10464,7 +10106,6 @@
               <a:rPr lang="en-US"/>
               <a:t>Click icon to add picture</a:t>
             </a:r>
-            <a:endParaRPr lang="en-US"/>
           </a:p>
         </p:txBody>
       </p:sp>
@@ -10529,7 +10170,6 @@
               <a:rPr lang="en-US"/>
               <a:t>Click icon to add picture</a:t>
             </a:r>
-            <a:endParaRPr lang="en-US"/>
           </a:p>
         </p:txBody>
       </p:sp>
@@ -10583,7 +10223,6 @@
               <a:rPr lang="en-US"/>
               <a:t>Click icon to add picture</a:t>
             </a:r>
-            <a:endParaRPr lang="en-US"/>
           </a:p>
         </p:txBody>
       </p:sp>
@@ -11382,13 +11021,14 @@
 </file>
 
 <file path=ppt/slideLayouts/slideLayout17.xml><?xml version="1.0" encoding="utf-8"?>
-<p:sldLayout xmlns:a="http://schemas.openxmlformats.org/drawingml/2006/main" xmlns:r="http://schemas.openxmlformats.org/officeDocument/2006/relationships" xmlns:p="http://schemas.openxmlformats.org/presentationml/2006/main" xmlns:m="http://schemas.openxmlformats.org/officeDocument/2006/math" xmlns:w="http://schemas.openxmlformats.org/wordprocessingml/2006/main" matchingName="" preserve="1" showMasterPhAnim="0" showMasterSp="1" userDrawn="1">
+<p:sldLayout xmlns:a="http://schemas.openxmlformats.org/drawingml/2006/main" xmlns:r="http://schemas.openxmlformats.org/officeDocument/2006/relationships" xmlns:p="http://schemas.openxmlformats.org/presentationml/2006/main" showMasterPhAnim="0" preserve="1" userDrawn="1">
   <p:cSld name="3  Content">
     <p:bg>
-      <p:bgPr shadeToTitle="0">
+      <p:bgPr>
         <a:solidFill>
           <a:schemeClr val="bg1"/>
         </a:solidFill>
+        <a:effectLst/>
       </p:bgPr>
     </p:bg>
     <p:spTree>
@@ -12797,7 +12437,7 @@
 </file>
 
 <file path=ppt/slideLayouts/slideLayout18.xml><?xml version="1.0" encoding="utf-8"?>
-<p:sldLayout xmlns:a="http://schemas.openxmlformats.org/drawingml/2006/main" xmlns:r="http://schemas.openxmlformats.org/officeDocument/2006/relationships" xmlns:p="http://schemas.openxmlformats.org/presentationml/2006/main" xmlns:m="http://schemas.openxmlformats.org/officeDocument/2006/math" xmlns:w="http://schemas.openxmlformats.org/wordprocessingml/2006/main" matchingName="" preserve="1" showMasterPhAnim="0" showMasterSp="1" type="secHead" userDrawn="1">
+<p:sldLayout xmlns:a="http://schemas.openxmlformats.org/drawingml/2006/main" xmlns:r="http://schemas.openxmlformats.org/officeDocument/2006/relationships" xmlns:p="http://schemas.openxmlformats.org/presentationml/2006/main" showMasterPhAnim="0" type="secHead" preserve="1" userDrawn="1">
   <p:cSld name="Summary">
     <p:spTree>
       <p:nvGrpSpPr>
@@ -13180,13 +12820,14 @@
 </file>
 
 <file path=ppt/slideLayouts/slideLayout19.xml><?xml version="1.0" encoding="utf-8"?>
-<p:sldLayout xmlns:a="http://schemas.openxmlformats.org/drawingml/2006/main" xmlns:r="http://schemas.openxmlformats.org/officeDocument/2006/relationships" xmlns:p="http://schemas.openxmlformats.org/presentationml/2006/main" xmlns:m="http://schemas.openxmlformats.org/officeDocument/2006/math" xmlns:w="http://schemas.openxmlformats.org/wordprocessingml/2006/main" matchingName="" preserve="1" showMasterPhAnim="0" showMasterSp="1" type="title" userDrawn="1">
+<p:sldLayout xmlns:a="http://schemas.openxmlformats.org/drawingml/2006/main" xmlns:r="http://schemas.openxmlformats.org/officeDocument/2006/relationships" xmlns:p="http://schemas.openxmlformats.org/presentationml/2006/main" showMasterPhAnim="0" type="title" preserve="1" userDrawn="1">
   <p:cSld name="Closing">
     <p:bg>
-      <p:bgPr shadeToTitle="0">
+      <p:bgPr>
         <a:solidFill>
           <a:schemeClr val="accent2"/>
         </a:solidFill>
+        <a:effectLst/>
       </p:bgPr>
     </p:bg>
     <p:spTree>
@@ -13469,13 +13110,14 @@
 </file>
 
 <file path=ppt/slideLayouts/slideLayout2.xml><?xml version="1.0" encoding="utf-8"?>
-<p:sldLayout xmlns:a="http://schemas.openxmlformats.org/drawingml/2006/main" xmlns:r="http://schemas.openxmlformats.org/officeDocument/2006/relationships" xmlns:p="http://schemas.openxmlformats.org/presentationml/2006/main" xmlns:m="http://schemas.openxmlformats.org/officeDocument/2006/math" xmlns:w="http://schemas.openxmlformats.org/wordprocessingml/2006/main" matchingName="" preserve="1" showMasterPhAnim="0" showMasterSp="1" type="obj" userDrawn="1">
+<p:sldLayout xmlns:a="http://schemas.openxmlformats.org/drawingml/2006/main" xmlns:r="http://schemas.openxmlformats.org/officeDocument/2006/relationships" xmlns:p="http://schemas.openxmlformats.org/presentationml/2006/main" showMasterPhAnim="0" type="obj" preserve="1" userDrawn="1">
   <p:cSld name="Agenda">
     <p:bg>
-      <p:bgPr shadeToTitle="0">
+      <p:bgPr>
         <a:solidFill>
           <a:schemeClr val="bg1"/>
         </a:solidFill>
+        <a:effectLst/>
       </p:bgPr>
     </p:bg>
     <p:spTree>
@@ -13508,7 +13150,7 @@
               </a:ext>
             </a:extLst>
           </a:blip>
-          <a:srcRect l="0" t="18301" r="28341" b="23070"/>
+          <a:srcRect t="18301" r="28341" b="23070"/>
           <a:stretch/>
         </p:blipFill>
         <p:spPr bwMode="auto">
@@ -13838,7 +13480,7 @@
 </file>
 
 <file path=ppt/slideLayouts/slideLayout3.xml><?xml version="1.0" encoding="utf-8"?>
-<p:sldLayout xmlns:a="http://schemas.openxmlformats.org/drawingml/2006/main" xmlns:r="http://schemas.openxmlformats.org/officeDocument/2006/relationships" xmlns:p="http://schemas.openxmlformats.org/presentationml/2006/main" xmlns:m="http://schemas.openxmlformats.org/officeDocument/2006/math" xmlns:w="http://schemas.openxmlformats.org/wordprocessingml/2006/main" matchingName="" preserve="1" showMasterPhAnim="0" showMasterSp="1" userDrawn="1">
+<p:sldLayout xmlns:a="http://schemas.openxmlformats.org/drawingml/2006/main" xmlns:r="http://schemas.openxmlformats.org/officeDocument/2006/relationships" xmlns:p="http://schemas.openxmlformats.org/presentationml/2006/main" showMasterPhAnim="0" preserve="1" userDrawn="1">
   <p:cSld name="Timeline">
     <p:spTree>
       <p:nvGrpSpPr>
@@ -13894,7 +13536,7 @@
             </a:cxnLst>
             <a:rect l="l" t="t" r="r" b="b"/>
             <a:pathLst>
-              <a:path w="10078116" h="6858000" fill="norm" stroke="1" extrusionOk="0">
+              <a:path w="10078116" h="6858000" extrusionOk="0">
                 <a:moveTo>
                   <a:pt x="3793236" y="6858000"/>
                 </a:moveTo>
@@ -14619,13 +14261,14 @@
 </file>
 
 <file path=ppt/slideLayouts/slideLayout4.xml><?xml version="1.0" encoding="utf-8"?>
-<p:sldLayout xmlns:a="http://schemas.openxmlformats.org/drawingml/2006/main" xmlns:r="http://schemas.openxmlformats.org/officeDocument/2006/relationships" xmlns:p="http://schemas.openxmlformats.org/presentationml/2006/main" xmlns:m="http://schemas.openxmlformats.org/officeDocument/2006/math" xmlns:w="http://schemas.openxmlformats.org/wordprocessingml/2006/main" matchingName="" preserve="1" showMasterPhAnim="0" showMasterSp="1" userDrawn="1">
+<p:sldLayout xmlns:a="http://schemas.openxmlformats.org/drawingml/2006/main" xmlns:r="http://schemas.openxmlformats.org/officeDocument/2006/relationships" xmlns:p="http://schemas.openxmlformats.org/presentationml/2006/main" showMasterPhAnim="0" preserve="1" userDrawn="1">
   <p:cSld name="Content 3 Column">
     <p:bg>
-      <p:bgPr shadeToTitle="0">
+      <p:bgPr>
         <a:solidFill>
           <a:schemeClr val="accent2"/>
         </a:solidFill>
+        <a:effectLst/>
       </p:bgPr>
     </p:bg>
     <p:spTree>
@@ -15308,13 +14951,14 @@
 </file>
 
 <file path=ppt/slideLayouts/slideLayout5.xml><?xml version="1.0" encoding="utf-8"?>
-<p:sldLayout xmlns:a="http://schemas.openxmlformats.org/drawingml/2006/main" xmlns:r="http://schemas.openxmlformats.org/officeDocument/2006/relationships" xmlns:p="http://schemas.openxmlformats.org/presentationml/2006/main" xmlns:m="http://schemas.openxmlformats.org/officeDocument/2006/math" xmlns:w="http://schemas.openxmlformats.org/wordprocessingml/2006/main" matchingName="" preserve="1" showMasterPhAnim="0" showMasterSp="1" userDrawn="1">
+<p:sldLayout xmlns:a="http://schemas.openxmlformats.org/drawingml/2006/main" xmlns:r="http://schemas.openxmlformats.org/officeDocument/2006/relationships" xmlns:p="http://schemas.openxmlformats.org/presentationml/2006/main" showMasterPhAnim="0" preserve="1" userDrawn="1">
   <p:cSld name="Content 2 Column">
     <p:bg>
-      <p:bgPr shadeToTitle="0">
+      <p:bgPr>
         <a:solidFill>
           <a:schemeClr val="bg1"/>
         </a:solidFill>
+        <a:effectLst/>
       </p:bgPr>
     </p:bg>
     <p:spTree>
@@ -15887,7 +15531,7 @@
               </a:ext>
             </a:extLst>
           </a:blip>
-          <a:srcRect l="39434" t="20278" r="0" b="22673"/>
+          <a:srcRect l="39434" t="20278" b="22673"/>
           <a:stretch/>
         </p:blipFill>
         <p:spPr bwMode="auto">
@@ -15909,13 +15553,14 @@
 </file>
 
 <file path=ppt/slideLayouts/slideLayout6.xml><?xml version="1.0" encoding="utf-8"?>
-<p:sldLayout xmlns:a="http://schemas.openxmlformats.org/drawingml/2006/main" xmlns:r="http://schemas.openxmlformats.org/officeDocument/2006/relationships" xmlns:p="http://schemas.openxmlformats.org/presentationml/2006/main" xmlns:m="http://schemas.openxmlformats.org/officeDocument/2006/math" xmlns:w="http://schemas.openxmlformats.org/wordprocessingml/2006/main" matchingName="" preserve="1" showMasterPhAnim="0" showMasterSp="1" type="secHead" userDrawn="1">
+<p:sldLayout xmlns:a="http://schemas.openxmlformats.org/drawingml/2006/main" xmlns:r="http://schemas.openxmlformats.org/officeDocument/2006/relationships" xmlns:p="http://schemas.openxmlformats.org/presentationml/2006/main" showMasterPhAnim="0" type="secHead" preserve="1" userDrawn="1">
   <p:cSld name="Introduction">
     <p:bg>
-      <p:bgPr shadeToTitle="0">
+      <p:bgPr>
         <a:solidFill>
           <a:schemeClr val="accent1"/>
         </a:solidFill>
+        <a:effectLst/>
       </p:bgPr>
     </p:bg>
     <p:spTree>
@@ -16299,13 +15944,14 @@
 </file>
 
 <file path=ppt/slideLayouts/slideLayout7.xml><?xml version="1.0" encoding="utf-8"?>
-<p:sldLayout xmlns:a="http://schemas.openxmlformats.org/drawingml/2006/main" xmlns:r="http://schemas.openxmlformats.org/officeDocument/2006/relationships" xmlns:p="http://schemas.openxmlformats.org/presentationml/2006/main" xmlns:m="http://schemas.openxmlformats.org/officeDocument/2006/math" xmlns:w="http://schemas.openxmlformats.org/wordprocessingml/2006/main" matchingName="" preserve="1" showMasterPhAnim="0" showMasterSp="1" userDrawn="1">
+<p:sldLayout xmlns:a="http://schemas.openxmlformats.org/drawingml/2006/main" xmlns:r="http://schemas.openxmlformats.org/officeDocument/2006/relationships" xmlns:p="http://schemas.openxmlformats.org/presentationml/2006/main" showMasterPhAnim="0" preserve="1" userDrawn="1">
   <p:cSld name="Section Break">
     <p:bg>
-      <p:bgPr shadeToTitle="0">
+      <p:bgPr>
         <a:solidFill>
           <a:schemeClr val="accent2"/>
         </a:solidFill>
+        <a:effectLst/>
       </p:bgPr>
     </p:bg>
     <p:spTree>
@@ -16403,7 +16049,7 @@
 </file>
 
 <file path=ppt/slideLayouts/slideLayout8.xml><?xml version="1.0" encoding="utf-8"?>
-<p:sldLayout xmlns:a="http://schemas.openxmlformats.org/drawingml/2006/main" xmlns:r="http://schemas.openxmlformats.org/officeDocument/2006/relationships" xmlns:p="http://schemas.openxmlformats.org/presentationml/2006/main" xmlns:m="http://schemas.openxmlformats.org/officeDocument/2006/math" xmlns:w="http://schemas.openxmlformats.org/wordprocessingml/2006/main" matchingName="" preserve="1" showMasterPhAnim="0" showMasterSp="1" userDrawn="1">
+<p:sldLayout xmlns:a="http://schemas.openxmlformats.org/drawingml/2006/main" xmlns:r="http://schemas.openxmlformats.org/officeDocument/2006/relationships" xmlns:p="http://schemas.openxmlformats.org/presentationml/2006/main" showMasterPhAnim="0" preserve="1" userDrawn="1">
   <p:cSld name="Quote">
     <p:spTree>
       <p:nvGrpSpPr>
@@ -16938,7 +16584,7 @@
 </file>
 
 <file path=ppt/slideLayouts/slideLayout9.xml><?xml version="1.0" encoding="utf-8"?>
-<p:sldLayout xmlns:a="http://schemas.openxmlformats.org/drawingml/2006/main" xmlns:r="http://schemas.openxmlformats.org/officeDocument/2006/relationships" xmlns:p="http://schemas.openxmlformats.org/presentationml/2006/main" xmlns:m="http://schemas.openxmlformats.org/officeDocument/2006/math" xmlns:w="http://schemas.openxmlformats.org/wordprocessingml/2006/main" matchingName="" preserve="1" showMasterPhAnim="0" showMasterSp="1" userDrawn="1">
+<p:sldLayout xmlns:a="http://schemas.openxmlformats.org/drawingml/2006/main" xmlns:r="http://schemas.openxmlformats.org/officeDocument/2006/relationships" xmlns:p="http://schemas.openxmlformats.org/presentationml/2006/main" showMasterPhAnim="0" preserve="1" userDrawn="1">
   <p:cSld name="Three Content">
     <p:bg>
       <p:bgRef idx="1001">
@@ -17863,8 +17509,8 @@
 </file>
 
 <file path=ppt/slideMasters/slideMaster1.xml><?xml version="1.0" encoding="utf-8"?>
-<p:sldMaster xmlns:a="http://schemas.openxmlformats.org/drawingml/2006/main" xmlns:r="http://schemas.openxmlformats.org/officeDocument/2006/relationships" xmlns:p="http://schemas.openxmlformats.org/presentationml/2006/main" xmlns:m="http://schemas.openxmlformats.org/officeDocument/2006/math" xmlns:w="http://schemas.openxmlformats.org/wordprocessingml/2006/main" preserve="0">
-  <p:cSld name="">
+<p:sldMaster xmlns:a="http://schemas.openxmlformats.org/drawingml/2006/main" xmlns:r="http://schemas.openxmlformats.org/officeDocument/2006/relationships" xmlns:p="http://schemas.openxmlformats.org/presentationml/2006/main">
+  <p:cSld>
     <p:bg>
       <p:bgRef idx="1001">
         <a:schemeClr val="bg1"/>
@@ -17916,7 +17562,6 @@
               <a:rPr lang="en-US"/>
               <a:t>Click to edit Master title style</a:t>
             </a:r>
-            <a:endParaRPr lang="en-US"/>
           </a:p>
         </p:txBody>
       </p:sp>
@@ -18152,7 +17797,7 @@
     <p:sldLayoutId id="2147483666" r:id="rId18"/>
     <p:sldLayoutId id="2147483667" r:id="rId19"/>
   </p:sldLayoutIdLst>
-  <p:hf dt="1" ftr="1" hdr="0" sldNum="1"/>
+  <p:hf hdr="0"/>
   <p:txStyles>
     <p:titleStyle>
       <a:lvl1pPr algn="l" defTabSz="914400">
@@ -18455,8 +18100,8 @@
 </file>
 
 <file path=ppt/slides/slide1.xml><?xml version="1.0" encoding="utf-8"?>
-<p:sld xmlns:a="http://schemas.openxmlformats.org/drawingml/2006/main" xmlns:r="http://schemas.openxmlformats.org/officeDocument/2006/relationships" xmlns:p="http://schemas.openxmlformats.org/presentationml/2006/main" xmlns:m="http://schemas.openxmlformats.org/officeDocument/2006/math" xmlns:w="http://schemas.openxmlformats.org/wordprocessingml/2006/main" xmlns:mc="http://schemas.openxmlformats.org/markup-compatibility/2006" showMasterPhAnim="0" showMasterSp="1" show="1">
-  <p:cSld name="">
+<p:sld xmlns:a="http://schemas.openxmlformats.org/drawingml/2006/main" xmlns:r="http://schemas.openxmlformats.org/officeDocument/2006/relationships" xmlns:p="http://schemas.openxmlformats.org/presentationml/2006/main" showMasterPhAnim="0">
+  <p:cSld>
     <p:spTree>
       <p:nvGrpSpPr>
         <p:cNvPr id="1" name=""/>
@@ -18498,7 +18143,6 @@
               <a:rPr lang="en-US"/>
               <a:t>Fastride</a:t>
             </a:r>
-            <a:endParaRPr lang="en-US"/>
           </a:p>
         </p:txBody>
       </p:sp>
@@ -18527,11 +18171,7 @@
             </a:pPr>
             <a:r>
               <a:rPr lang="en-US" b="1"/>
-              <a:t>Aplicație</a:t>
-            </a:r>
-            <a:r>
-              <a:rPr lang="en-US" b="1"/>
-              <a:t> de ride sharing</a:t>
+              <a:t>Aplicație de ride sharing</a:t>
             </a:r>
             <a:endParaRPr/>
           </a:p>
@@ -18545,7 +18185,7 @@
         </p:nvSpPr>
         <p:spPr bwMode="auto">
           <a:xfrm>
-            <a:off x="6416040" y="5521614"/>
+            <a:off x="6416040" y="5518728"/>
             <a:ext cx="5510514" cy="1399619"/>
           </a:xfrm>
           <a:prstGeom prst="rect">
@@ -18740,100 +18380,24 @@
               <a:defRPr/>
             </a:pPr>
             <a:r>
-              <a:rPr lang="en-US" sz="1200" b="1"/>
+              <a:rPr lang="en-US" sz="1200" b="1" dirty="0"/>
               <a:t>Constantin-Mădălin Popescu</a:t>
             </a:r>
-            <a:endParaRPr/>
+            <a:endParaRPr dirty="0"/>
           </a:p>
           <a:p>
             <a:pPr>
               <a:defRPr/>
             </a:pPr>
             <a:r>
-              <a:rPr lang="en-US" sz="1200" b="1"/>
+              <a:rPr lang="en-US" sz="1200" b="1" dirty="0"/>
               <a:t>Ș. L. Dr. Ing. Cătălin </a:t>
             </a:r>
             <a:r>
-              <a:rPr lang="en-US" sz="1200" b="1"/>
+              <a:rPr lang="en-US" sz="1200" b="1" dirty="0" err="1"/>
               <a:t>Cerbulescu</a:t>
             </a:r>
-            <a:endParaRPr lang="en-US" sz="1200" b="1"/>
-          </a:p>
-          <a:p>
-            <a:pPr>
-              <a:defRPr/>
-            </a:pPr>
-            <a:r>
-              <a:rPr lang="en-US" sz="1200"/>
-              <a:t>Facultatea</a:t>
-            </a:r>
-            <a:r>
-              <a:rPr lang="en-US" sz="1200"/>
-              <a:t> de </a:t>
-            </a:r>
-            <a:r>
-              <a:rPr lang="en-US" sz="1200"/>
-              <a:t>Automatică</a:t>
-            </a:r>
-            <a:r>
-              <a:rPr lang="en-US" sz="1200"/>
-              <a:t>, </a:t>
-            </a:r>
-            <a:r>
-              <a:rPr lang="en-US" sz="1200"/>
-              <a:t>Calculatoare</a:t>
-            </a:r>
-            <a:r>
-              <a:rPr lang="en-US" sz="1200"/>
-              <a:t> </a:t>
-            </a:r>
-            <a:r>
-              <a:rPr lang="en-US" sz="1200"/>
-              <a:t>și</a:t>
-            </a:r>
-            <a:r>
-              <a:rPr lang="en-US" sz="1200"/>
-              <a:t> </a:t>
-            </a:r>
-            <a:r>
-              <a:rPr lang="en-US" sz="1200"/>
-              <a:t>Electronică</a:t>
-            </a:r>
-            <a:r>
-              <a:rPr lang="en-US" sz="1200"/>
-              <a:t>, </a:t>
-            </a:r>
-            <a:endParaRPr/>
-          </a:p>
-          <a:p>
-            <a:pPr>
-              <a:defRPr/>
-            </a:pPr>
-            <a:r>
-              <a:rPr lang="en-US" sz="1200"/>
-              <a:t>	</a:t>
-            </a:r>
-            <a:r>
-              <a:rPr lang="en-US" sz="1100"/>
-              <a:t>specializarea</a:t>
-            </a:r>
-            <a:r>
-              <a:rPr lang="en-US" sz="1100"/>
-              <a:t> </a:t>
-            </a:r>
-            <a:r>
-              <a:rPr lang="en-US" sz="1100"/>
-              <a:t>Calculatoare</a:t>
-            </a:r>
-            <a:r>
-              <a:rPr lang="en-US" sz="1100"/>
-              <a:t> </a:t>
-            </a:r>
-            <a:r>
-              <a:rPr lang="en-US" sz="1100"/>
-              <a:t>Română</a:t>
-            </a:r>
-            <a:endParaRPr lang="en-US" sz="1200"/>
+            <a:endParaRPr lang="en-US" sz="1200" b="1" dirty="0"/>
           </a:p>
         </p:txBody>
       </p:sp>
@@ -18842,13 +18406,13 @@
   <p:clrMapOvr>
     <a:masterClrMapping/>
   </p:clrMapOvr>
-  <mc:AlternateContent xmlns:mc="http://schemas.openxmlformats.org/markup-compatibility/2006">
-    <mc:Choice xmlns:p159="http://schemas.microsoft.com/office/powerpoint/2015/09/main" xmlns:p14="http://schemas.microsoft.com/office/powerpoint/2010/main" Requires="p159">
-      <p:transition spd="med" p14:dur="700" advClick="1">
-        <p:fade thruBlk="0"/>
+  <mc:AlternateContent xmlns:mc="http://schemas.openxmlformats.org/markup-compatibility/2006" xmlns:p159="http://schemas.microsoft.com/office/powerpoint/2015/09/main">
+    <mc:Choice Requires="p159">
+      <p:transition xmlns:p14="http://schemas.microsoft.com/office/powerpoint/2010/main" spd="med" p14:dur="700">
+        <p:fade/>
       </p:transition>
     </mc:Choice>
-    <mc:Fallback>
+    <mc:Fallback xmlns="" xmlns:m="http://schemas.openxmlformats.org/officeDocument/2006/math" xmlns:w="http://schemas.openxmlformats.org/wordprocessingml/2006/main">
       <p:transition spd="med" advClick="1">
         <p:fade thruBlk="0"/>
       </p:transition>
@@ -19045,8 +18609,8 @@
 </file>
 
 <file path=ppt/slides/slide2.xml><?xml version="1.0" encoding="utf-8"?>
-<p:sld xmlns:a="http://schemas.openxmlformats.org/drawingml/2006/main" xmlns:r="http://schemas.openxmlformats.org/officeDocument/2006/relationships" xmlns:p="http://schemas.openxmlformats.org/presentationml/2006/main" xmlns:m="http://schemas.openxmlformats.org/officeDocument/2006/math" xmlns:w="http://schemas.openxmlformats.org/wordprocessingml/2006/main" xmlns:mc="http://schemas.openxmlformats.org/markup-compatibility/2006" showMasterPhAnim="0" showMasterSp="1" show="1">
-  <p:cSld name="">
+<p:sld xmlns:a="http://schemas.openxmlformats.org/drawingml/2006/main" xmlns:r="http://schemas.openxmlformats.org/officeDocument/2006/relationships" xmlns:p="http://schemas.openxmlformats.org/presentationml/2006/main" showMasterPhAnim="0">
+  <p:cSld>
     <p:spTree>
       <p:nvGrpSpPr>
         <p:cNvPr id="1" name=""/>
@@ -19086,17 +18650,8 @@
             </a:pPr>
             <a:r>
               <a:rPr lang="en-US"/>
-              <a:t>Conceptul</a:t>
-            </a:r>
-            <a:r>
-              <a:rPr lang="en-US"/>
-              <a:t> </a:t>
-            </a:r>
-            <a:r>
-              <a:rPr lang="en-US"/>
-              <a:t>Aplicației</a:t>
-            </a:r>
-            <a:endParaRPr lang="en-US"/>
+              <a:t>Conceptul Aplicației</a:t>
+            </a:r>
           </a:p>
         </p:txBody>
       </p:sp>
@@ -19129,15 +18684,7 @@
             </a:pPr>
             <a:r>
               <a:rPr lang="en-US"/>
-              <a:t>WebApp cu </a:t>
-            </a:r>
-            <a:r>
-              <a:rPr lang="en-US"/>
-              <a:t>scopul</a:t>
-            </a:r>
-            <a:r>
-              <a:rPr lang="en-US"/>
-              <a:t> - ride sharing</a:t>
+              <a:t>WebApp cu scopul - ride sharing</a:t>
             </a:r>
             <a:endParaRPr/>
           </a:p>
@@ -19149,73 +18696,8 @@
             </a:pPr>
             <a:r>
               <a:rPr lang="en-US"/>
-              <a:t>Interfață</a:t>
-            </a:r>
-            <a:r>
-              <a:rPr lang="en-US"/>
-              <a:t> </a:t>
-            </a:r>
-            <a:r>
-              <a:rPr lang="en-US"/>
-              <a:t>prietenoasă</a:t>
-            </a:r>
-            <a:r>
-              <a:rPr lang="en-US"/>
-              <a:t> </a:t>
-            </a:r>
-            <a:r>
-              <a:rPr lang="en-US"/>
-              <a:t>atât</a:t>
-            </a:r>
-            <a:r>
-              <a:rPr lang="en-US"/>
-              <a:t> </a:t>
-            </a:r>
-            <a:r>
-              <a:rPr lang="en-US"/>
-              <a:t>pentru</a:t>
-            </a:r>
-            <a:r>
-              <a:rPr lang="en-US"/>
-              <a:t> </a:t>
-            </a:r>
-            <a:r>
-              <a:rPr lang="en-US"/>
-              <a:t>clienți</a:t>
-            </a:r>
-            <a:r>
-              <a:rPr lang="en-US"/>
-              <a:t> </a:t>
-            </a:r>
-            <a:r>
-              <a:rPr lang="en-US"/>
-              <a:t>cât</a:t>
-            </a:r>
-            <a:r>
-              <a:rPr lang="en-US"/>
-              <a:t> </a:t>
-            </a:r>
-            <a:r>
-              <a:rPr lang="en-US"/>
-              <a:t>și</a:t>
-            </a:r>
-            <a:r>
-              <a:rPr lang="en-US"/>
-              <a:t> </a:t>
-            </a:r>
-            <a:r>
-              <a:rPr lang="en-US"/>
-              <a:t>pentru</a:t>
-            </a:r>
-            <a:r>
-              <a:rPr lang="en-US"/>
-              <a:t> </a:t>
-            </a:r>
-            <a:r>
-              <a:rPr lang="en-US"/>
-              <a:t>șoferi</a:t>
-            </a:r>
-            <a:endParaRPr lang="en-US"/>
+              <a:t>Interfață prietenoasă atât pentru clienți cât și pentru șoferi</a:t>
+            </a:r>
           </a:p>
           <a:p>
             <a:pPr marL="285750" indent="-285750">
@@ -19225,21 +18707,8 @@
             </a:pPr>
             <a:r>
               <a:rPr lang="en-US"/>
-              <a:t>Nu </a:t>
-            </a:r>
-            <a:r>
-              <a:rPr lang="en-US"/>
-              <a:t>necesită</a:t>
-            </a:r>
-            <a:r>
-              <a:rPr lang="en-US"/>
-              <a:t> </a:t>
-            </a:r>
-            <a:r>
-              <a:rPr lang="en-US"/>
-              <a:t>instalare</a:t>
-            </a:r>
-            <a:endParaRPr lang="en-US"/>
+              <a:t>Nu necesită instalare</a:t>
+            </a:r>
           </a:p>
         </p:txBody>
       </p:sp>
@@ -19301,7 +18770,6 @@
               <a:rPr lang="en-US"/>
               <a:t>FastRide</a:t>
             </a:r>
-            <a:endParaRPr lang="en-US"/>
           </a:p>
         </p:txBody>
       </p:sp>
@@ -19341,13 +18809,13 @@
   <p:clrMapOvr>
     <a:masterClrMapping/>
   </p:clrMapOvr>
-  <mc:AlternateContent xmlns:mc="http://schemas.openxmlformats.org/markup-compatibility/2006">
-    <mc:Choice xmlns:p159="http://schemas.microsoft.com/office/powerpoint/2015/09/main" xmlns:p14="http://schemas.microsoft.com/office/powerpoint/2010/main" Requires="p159">
-      <p:transition spd="med" p14:dur="700" advClick="1">
-        <p:fade thruBlk="0"/>
+  <mc:AlternateContent xmlns:mc="http://schemas.openxmlformats.org/markup-compatibility/2006" xmlns:p159="http://schemas.microsoft.com/office/powerpoint/2015/09/main">
+    <mc:Choice Requires="p159">
+      <p:transition xmlns:p14="http://schemas.microsoft.com/office/powerpoint/2010/main" spd="med" p14:dur="700">
+        <p:fade/>
       </p:transition>
     </mc:Choice>
-    <mc:Fallback>
+    <mc:Fallback xmlns="" xmlns:m="http://schemas.openxmlformats.org/officeDocument/2006/math" xmlns:w="http://schemas.openxmlformats.org/wordprocessingml/2006/main">
       <p:transition spd="med" advClick="1">
         <p:fade thruBlk="0"/>
       </p:transition>
@@ -19603,8 +19071,8 @@
 </file>
 
 <file path=ppt/slides/slide3.xml><?xml version="1.0" encoding="utf-8"?>
-<p:sld xmlns:a="http://schemas.openxmlformats.org/drawingml/2006/main" xmlns:r="http://schemas.openxmlformats.org/officeDocument/2006/relationships" xmlns:p="http://schemas.openxmlformats.org/presentationml/2006/main" xmlns:m="http://schemas.openxmlformats.org/officeDocument/2006/math" xmlns:w="http://schemas.openxmlformats.org/wordprocessingml/2006/main" xmlns:mc="http://schemas.openxmlformats.org/markup-compatibility/2006" showMasterPhAnim="0" showMasterSp="1" show="1">
-  <p:cSld name="">
+<p:sld xmlns:a="http://schemas.openxmlformats.org/drawingml/2006/main" xmlns:r="http://schemas.openxmlformats.org/officeDocument/2006/relationships" xmlns:p="http://schemas.openxmlformats.org/presentationml/2006/main" showMasterPhAnim="0">
+  <p:cSld>
     <p:spTree>
       <p:nvGrpSpPr>
         <p:cNvPr id="1" name=""/>
@@ -19636,7 +19104,9 @@
           </a:xfrm>
         </p:spPr>
         <p:txBody>
-          <a:bodyPr/>
+          <a:bodyPr>
+            <a:normAutofit fontScale="90000"/>
+          </a:bodyPr>
           <a:lstStyle/>
           <a:p>
             <a:pPr>
@@ -19644,17 +19114,8 @@
             </a:pPr>
             <a:r>
               <a:rPr lang="en-US"/>
-              <a:t>Tehnologii</a:t>
-            </a:r>
-            <a:r>
-              <a:rPr lang="en-US"/>
-              <a:t> </a:t>
-            </a:r>
-            <a:r>
-              <a:rPr lang="en-US"/>
-              <a:t>folosite</a:t>
-            </a:r>
-            <a:endParaRPr lang="en-US"/>
+              <a:t>Tehnologii folosite</a:t>
+            </a:r>
           </a:p>
         </p:txBody>
       </p:sp>
@@ -19749,7 +19210,6 @@
               <a:rPr lang="en-US"/>
               <a:t>Stocare</a:t>
             </a:r>
-            <a:endParaRPr lang="en-US"/>
           </a:p>
         </p:txBody>
       </p:sp>
@@ -19780,7 +19240,6 @@
               <a:rPr lang="en-US"/>
               <a:t>Comunicare</a:t>
             </a:r>
-            <a:endParaRPr lang="en-US"/>
           </a:p>
         </p:txBody>
       </p:sp>
@@ -19809,21 +19268,8 @@
             </a:pPr>
             <a:r>
               <a:rPr lang="en-US"/>
-              <a:t>Blazor </a:t>
-            </a:r>
-            <a:r>
-              <a:rPr lang="en-US"/>
-              <a:t>WebAssembly</a:t>
-            </a:r>
-            <a:r>
-              <a:rPr lang="en-US"/>
-              <a:t>, </a:t>
-            </a:r>
-            <a:r>
-              <a:rPr lang="en-US"/>
-              <a:t>MudBlazor</a:t>
-            </a:r>
-            <a:endParaRPr lang="en-US"/>
+              <a:t>Blazor WebAssembly, MudBlazor</a:t>
+            </a:r>
           </a:p>
           <a:p>
             <a:pPr>
@@ -19920,11 +19366,7 @@
             </a:pPr>
             <a:r>
               <a:rPr lang="en-US"/>
-              <a:t>SignalR</a:t>
-            </a:r>
-            <a:r>
-              <a:rPr lang="en-US"/>
-              <a:t>, Refit API</a:t>
+              <a:t>SignalR, Refit API</a:t>
             </a:r>
             <a:endParaRPr/>
           </a:p>
@@ -19988,7 +19430,6 @@
               <a:rPr lang="en-US"/>
               <a:t>FastRide</a:t>
             </a:r>
-            <a:endParaRPr lang="en-US"/>
           </a:p>
         </p:txBody>
       </p:sp>
@@ -20017,7 +19458,7 @@
             </a:pPr>
             <a:fld id="{B5CEABB6-07DC-46E8-9B57-56EC44A396E5}" type="slidenum">
               <a:rPr lang="en-US"/>
-              <a:t>4</a:t>
+              <a:t>3</a:t>
             </a:fld>
             <a:endParaRPr lang="en-US"/>
           </a:p>
@@ -20028,13 +19469,13 @@
   <p:clrMapOvr>
     <a:masterClrMapping/>
   </p:clrMapOvr>
-  <mc:AlternateContent xmlns:mc="http://schemas.openxmlformats.org/markup-compatibility/2006">
-    <mc:Choice xmlns:p159="http://schemas.microsoft.com/office/powerpoint/2015/09/main" xmlns:p14="http://schemas.microsoft.com/office/powerpoint/2010/main" Requires="p159">
-      <p:transition spd="med" p14:dur="700" advClick="1">
-        <p:fade thruBlk="0"/>
+  <mc:AlternateContent xmlns:mc="http://schemas.openxmlformats.org/markup-compatibility/2006" xmlns:p159="http://schemas.microsoft.com/office/powerpoint/2015/09/main">
+    <mc:Choice Requires="p159">
+      <p:transition xmlns:p14="http://schemas.microsoft.com/office/powerpoint/2010/main" spd="med" p14:dur="700">
+        <p:fade/>
       </p:transition>
     </mc:Choice>
-    <mc:Fallback>
+    <mc:Fallback xmlns="" xmlns:m="http://schemas.openxmlformats.org/officeDocument/2006/math" xmlns:w="http://schemas.openxmlformats.org/wordprocessingml/2006/main">
       <p:transition spd="med" advClick="1">
         <p:fade thruBlk="0"/>
       </p:transition>
@@ -20557,8 +19998,8 @@
 </file>
 
 <file path=ppt/slides/slide4.xml><?xml version="1.0" encoding="utf-8"?>
-<p:sld xmlns:a="http://schemas.openxmlformats.org/drawingml/2006/main" xmlns:r="http://schemas.openxmlformats.org/officeDocument/2006/relationships" xmlns:p="http://schemas.openxmlformats.org/presentationml/2006/main" xmlns:m="http://schemas.openxmlformats.org/officeDocument/2006/math" xmlns:w="http://schemas.openxmlformats.org/wordprocessingml/2006/main" xmlns:mc="http://schemas.openxmlformats.org/markup-compatibility/2006" showMasterPhAnim="0" showMasterSp="1" show="1">
-  <p:cSld name="">
+<p:sld xmlns:a="http://schemas.openxmlformats.org/drawingml/2006/main" xmlns:r="http://schemas.openxmlformats.org/officeDocument/2006/relationships" xmlns:p="http://schemas.openxmlformats.org/presentationml/2006/main" showMasterPhAnim="0">
+  <p:cSld>
     <p:spTree>
       <p:nvGrpSpPr>
         <p:cNvPr id="1" name=""/>
@@ -20598,17 +20039,8 @@
             </a:pPr>
             <a:r>
               <a:rPr lang="en-US"/>
-              <a:t>Tehnologii</a:t>
-            </a:r>
-            <a:r>
-              <a:rPr lang="en-US"/>
-              <a:t> </a:t>
-            </a:r>
-            <a:r>
-              <a:rPr lang="en-US"/>
-              <a:t>folosite</a:t>
-            </a:r>
-            <a:endParaRPr lang="en-US"/>
+              <a:t>Tehnologii folosite</a:t>
+            </a:r>
           </a:p>
         </p:txBody>
       </p:sp>
@@ -20670,19 +20102,7 @@
             </a:pPr>
             <a:r>
               <a:rPr lang="en-US"/>
-              <a:t>Conturile</a:t>
-            </a:r>
-            <a:r>
-              <a:rPr lang="en-US"/>
-              <a:t> </a:t>
-            </a:r>
-            <a:r>
-              <a:rPr lang="en-US"/>
-              <a:t>personale</a:t>
-            </a:r>
-            <a:r>
-              <a:rPr lang="en-US"/>
-              <a:t> Google</a:t>
+              <a:t>Conturile personale Google</a:t>
             </a:r>
             <a:endParaRPr/>
           </a:p>
@@ -20746,19 +20166,7 @@
             </a:pPr>
             <a:r>
               <a:rPr lang="en-US"/>
-              <a:t>Securizare</a:t>
-            </a:r>
-            <a:r>
-              <a:rPr lang="en-US"/>
-              <a:t> </a:t>
-            </a:r>
-            <a:r>
-              <a:rPr lang="en-US"/>
-              <a:t>prin</a:t>
-            </a:r>
-            <a:r>
-              <a:rPr lang="en-US"/>
-              <a:t> Stripe</a:t>
+              <a:t>Securizare prin Stripe</a:t>
             </a:r>
             <a:endParaRPr/>
           </a:p>
@@ -20791,25 +20199,8 @@
             </a:pPr>
             <a:r>
               <a:rPr lang="en-US"/>
-              <a:t>Hărți</a:t>
-            </a:r>
-            <a:r>
-              <a:rPr lang="en-US"/>
-              <a:t> </a:t>
-            </a:r>
-            <a:r>
-              <a:rPr lang="en-US"/>
-              <a:t>și</a:t>
-            </a:r>
-            <a:r>
-              <a:rPr lang="en-US"/>
-              <a:t> </a:t>
-            </a:r>
-            <a:r>
-              <a:rPr lang="en-US"/>
-              <a:t>rute</a:t>
-            </a:r>
-            <a:endParaRPr lang="en-US"/>
+              <a:t>Hărți și rute</a:t>
+            </a:r>
           </a:p>
         </p:txBody>
       </p:sp>
@@ -20838,31 +20229,7 @@
             </a:pPr>
             <a:r>
               <a:rPr lang="en-US"/>
-              <a:t>Leaflet </a:t>
-            </a:r>
-            <a:r>
-              <a:rPr lang="en-US"/>
-              <a:t>și</a:t>
-            </a:r>
-            <a:r>
-              <a:rPr lang="en-US"/>
-              <a:t> Routing Machine </a:t>
-            </a:r>
-            <a:r>
-              <a:rPr lang="en-US"/>
-              <a:t>fără</a:t>
-            </a:r>
-            <a:r>
-              <a:rPr lang="en-US"/>
-              <a:t> </a:t>
-            </a:r>
-            <a:r>
-              <a:rPr lang="en-US"/>
-              <a:t>niciun</a:t>
-            </a:r>
-            <a:r>
-              <a:rPr lang="en-US"/>
-              <a:t> cost</a:t>
+              <a:t>Leaflet și Routing Machine fără niciun cost</a:t>
             </a:r>
             <a:endParaRPr/>
           </a:p>
@@ -20926,7 +20293,6 @@
               <a:rPr lang="en-US"/>
               <a:t>FastRide</a:t>
             </a:r>
-            <a:endParaRPr lang="en-US"/>
           </a:p>
         </p:txBody>
       </p:sp>
@@ -20955,7 +20321,7 @@
             </a:pPr>
             <a:fld id="{B5CEABB6-07DC-46E8-9B57-56EC44A396E5}" type="slidenum">
               <a:rPr lang="en-US"/>
-              <a:t>5</a:t>
+              <a:t>4</a:t>
             </a:fld>
             <a:endParaRPr lang="en-US"/>
           </a:p>
@@ -20966,13 +20332,13 @@
   <p:clrMapOvr>
     <a:masterClrMapping/>
   </p:clrMapOvr>
-  <mc:AlternateContent xmlns:mc="http://schemas.openxmlformats.org/markup-compatibility/2006">
-    <mc:Choice xmlns:p159="http://schemas.microsoft.com/office/powerpoint/2015/09/main" xmlns:p14="http://schemas.microsoft.com/office/powerpoint/2010/main" Requires="p159">
-      <p:transition spd="med" p14:dur="700" advClick="1">
-        <p:fade thruBlk="0"/>
+  <mc:AlternateContent xmlns:mc="http://schemas.openxmlformats.org/markup-compatibility/2006" xmlns:p159="http://schemas.microsoft.com/office/powerpoint/2015/09/main">
+    <mc:Choice Requires="p159">
+      <p:transition xmlns:p14="http://schemas.microsoft.com/office/powerpoint/2010/main" spd="med" p14:dur="700">
+        <p:fade/>
       </p:transition>
     </mc:Choice>
-    <mc:Fallback>
+    <mc:Fallback xmlns="" xmlns:m="http://schemas.openxmlformats.org/officeDocument/2006/math" xmlns:w="http://schemas.openxmlformats.org/wordprocessingml/2006/main">
       <p:transition spd="med" advClick="1">
         <p:fade thruBlk="0"/>
       </p:transition>
@@ -21389,8 +20755,8 @@
 </file>
 
 <file path=ppt/slides/slide5.xml><?xml version="1.0" encoding="utf-8"?>
-<p:sld xmlns:a="http://schemas.openxmlformats.org/drawingml/2006/main" xmlns:r="http://schemas.openxmlformats.org/officeDocument/2006/relationships" xmlns:p="http://schemas.openxmlformats.org/presentationml/2006/main" xmlns:m="http://schemas.openxmlformats.org/officeDocument/2006/math" xmlns:w="http://schemas.openxmlformats.org/wordprocessingml/2006/main" xmlns:mc="http://schemas.openxmlformats.org/markup-compatibility/2006" showMasterPhAnim="0" showMasterSp="1" show="1">
-  <p:cSld name="">
+<p:sld xmlns:a="http://schemas.openxmlformats.org/drawingml/2006/main" xmlns:r="http://schemas.openxmlformats.org/officeDocument/2006/relationships" xmlns:p="http://schemas.openxmlformats.org/presentationml/2006/main" showMasterPhAnim="0">
+  <p:cSld>
     <p:spTree>
       <p:nvGrpSpPr>
         <p:cNvPr id="1" name=""/>
@@ -21432,7 +20798,6 @@
               <a:rPr lang="en-US"/>
               <a:t>Arhitectura aplicației</a:t>
             </a:r>
-            <a:endParaRPr lang="en-US"/>
           </a:p>
         </p:txBody>
       </p:sp>
@@ -21494,7 +20859,6 @@
               <a:rPr lang="en-US"/>
               <a:t>FastRide</a:t>
             </a:r>
-            <a:endParaRPr lang="en-US"/>
           </a:p>
         </p:txBody>
       </p:sp>
@@ -21523,7 +20887,7 @@
             </a:pPr>
             <a:fld id="{527FBE45-29B8-7DC2-9408-937FDFFE3222}" type="slidenum">
               <a:rPr lang="en-US"/>
-              <a:t/>
+              <a:t>5</a:t>
             </a:fld>
             <a:endParaRPr lang="en-US"/>
           </a:p>
@@ -21531,7 +20895,7 @@
       </p:sp>
       <p:pic>
         <p:nvPicPr>
-          <p:cNvPr id="1016653137" name=""/>
+          <p:cNvPr id="1016653137" name="Imagine 1016653136"/>
           <p:cNvPicPr>
             <a:picLocks noChangeAspect="1"/>
           </p:cNvPicPr>
@@ -21556,13 +20920,13 @@
   <p:clrMapOvr>
     <a:masterClrMapping/>
   </p:clrMapOvr>
-  <mc:AlternateContent xmlns:mc="http://schemas.openxmlformats.org/markup-compatibility/2006">
-    <mc:Choice xmlns:p159="http://schemas.microsoft.com/office/powerpoint/2015/09/main" xmlns:p14="http://schemas.microsoft.com/office/powerpoint/2010/main" Requires="p159">
-      <p:transition spd="med" p14:dur="700" advClick="1">
-        <p:fade thruBlk="0"/>
+  <mc:AlternateContent xmlns:mc="http://schemas.openxmlformats.org/markup-compatibility/2006" xmlns:p159="http://schemas.microsoft.com/office/powerpoint/2015/09/main">
+    <mc:Choice Requires="p159">
+      <p:transition xmlns:p14="http://schemas.microsoft.com/office/powerpoint/2010/main" spd="med" p14:dur="700">
+        <p:fade/>
       </p:transition>
     </mc:Choice>
-    <mc:Fallback>
+    <mc:Fallback xmlns="" xmlns:m="http://schemas.openxmlformats.org/officeDocument/2006/math" xmlns:w="http://schemas.openxmlformats.org/wordprocessingml/2006/main">
       <p:transition spd="med" advClick="1">
         <p:fade thruBlk="0"/>
       </p:transition>
@@ -21586,20 +20950,20 @@
                       </p:stCondLst>
                       <p:childTnLst>
                         <p:par>
-                          <p:cTn id="8" fill="hold">
+                          <p:cTn id="4" fill="hold">
                             <p:stCondLst>
                               <p:cond delay="0"/>
                             </p:stCondLst>
                             <p:childTnLst>
                               <p:par>
-                                <p:cTn id="9" presetID="10" presetClass="entr" presetSubtype="0" fill="hold" grpId="0" nodeType="afterEffect">
+                                <p:cTn id="5" presetID="10" presetClass="entr" presetSubtype="0" fill="hold" grpId="0" nodeType="afterEffect">
                                   <p:stCondLst>
                                     <p:cond delay="0"/>
                                   </p:stCondLst>
                                   <p:childTnLst>
                                     <p:set>
                                       <p:cBhvr>
-                                        <p:cTn id="11" dur="1" fill="hold">
+                                        <p:cTn id="6" dur="1" fill="hold">
                                           <p:stCondLst>
                                             <p:cond delay="0"/>
                                           </p:stCondLst>
@@ -21617,7 +20981,7 @@
                                     </p:set>
                                     <p:animEffect transition="in" filter="fade">
                                       <p:cBhvr>
-                                        <p:cTn id="10" dur="500"/>
+                                        <p:cTn id="7" dur="500"/>
                                         <p:tgtEl>
                                           <p:spTgt spid="691522992"/>
                                         </p:tgtEl>
@@ -21630,20 +20994,20 @@
                           </p:cTn>
                         </p:par>
                         <p:par>
-                          <p:cTn id="4" fill="hold">
+                          <p:cTn id="8" fill="hold">
                             <p:stCondLst>
                               <p:cond delay="500"/>
                             </p:stCondLst>
                             <p:childTnLst>
                               <p:par>
-                                <p:cTn id="5" presetID="10" presetClass="entr" presetSubtype="0" fill="hold" grpId="0" nodeType="afterEffect">
+                                <p:cTn id="9" presetID="10" presetClass="entr" presetSubtype="0" fill="hold" nodeType="afterEffect">
                                   <p:stCondLst>
                                     <p:cond delay="0"/>
                                   </p:stCondLst>
                                   <p:childTnLst>
                                     <p:set>
                                       <p:cBhvr>
-                                        <p:cTn id="7" dur="1" fill="hold">
+                                        <p:cTn id="10" dur="1" fill="hold">
                                           <p:stCondLst>
                                             <p:cond delay="0"/>
                                           </p:stCondLst>
@@ -21661,7 +21025,7 @@
                                     </p:set>
                                     <p:animEffect transition="in" filter="fade">
                                       <p:cBhvr>
-                                        <p:cTn id="6" dur="500"/>
+                                        <p:cTn id="11" dur="500"/>
                                         <p:tgtEl>
                                           <p:spTgt spid="1016653137"/>
                                         </p:tgtEl>
@@ -21705,8 +21069,8 @@
 </file>
 
 <file path=ppt/slides/slide6.xml><?xml version="1.0" encoding="utf-8"?>
-<p:sld xmlns:a="http://schemas.openxmlformats.org/drawingml/2006/main" xmlns:r="http://schemas.openxmlformats.org/officeDocument/2006/relationships" xmlns:p="http://schemas.openxmlformats.org/presentationml/2006/main" xmlns:m="http://schemas.openxmlformats.org/officeDocument/2006/math" xmlns:w="http://schemas.openxmlformats.org/wordprocessingml/2006/main" xmlns:mc="http://schemas.openxmlformats.org/markup-compatibility/2006" showMasterPhAnim="0" showMasterSp="1" show="1">
-  <p:cSld name="">
+<p:sld xmlns:a="http://schemas.openxmlformats.org/drawingml/2006/main" xmlns:r="http://schemas.openxmlformats.org/officeDocument/2006/relationships" xmlns:p="http://schemas.openxmlformats.org/presentationml/2006/main" showMasterPhAnim="0">
+  <p:cSld>
     <p:spTree>
       <p:nvGrpSpPr>
         <p:cNvPr id="1" name=""/>
@@ -21746,17 +21110,8 @@
             </a:pPr>
             <a:r>
               <a:rPr lang="en-US"/>
-              <a:t>Interfața</a:t>
-            </a:r>
-            <a:r>
-              <a:rPr lang="en-US"/>
-              <a:t> </a:t>
-            </a:r>
-            <a:r>
-              <a:rPr lang="en-US"/>
-              <a:t>Aplicației</a:t>
-            </a:r>
-            <a:endParaRPr lang="en-US"/>
+              <a:t>Interfața Aplicației</a:t>
+            </a:r>
           </a:p>
         </p:txBody>
       </p:sp>
@@ -21818,7 +21173,6 @@
               <a:rPr lang="en-US"/>
               <a:t>FastRide</a:t>
             </a:r>
-            <a:endParaRPr lang="en-US"/>
           </a:p>
         </p:txBody>
       </p:sp>
@@ -21847,7 +21201,7 @@
             </a:pPr>
             <a:fld id="{B5CEABB6-07DC-46E8-9B57-56EC44A396E5}" type="slidenum">
               <a:rPr lang="en-US"/>
-              <a:t>3</a:t>
+              <a:t>6</a:t>
             </a:fld>
             <a:endParaRPr lang="en-US"/>
           </a:p>
@@ -21924,13 +21278,13 @@
   <p:clrMapOvr>
     <a:masterClrMapping/>
   </p:clrMapOvr>
-  <mc:AlternateContent xmlns:mc="http://schemas.openxmlformats.org/markup-compatibility/2006">
-    <mc:Choice xmlns:p159="http://schemas.microsoft.com/office/powerpoint/2015/09/main" xmlns:p14="http://schemas.microsoft.com/office/powerpoint/2010/main" Requires="p159">
-      <p:transition spd="med" p14:dur="700" advClick="1">
-        <p:fade thruBlk="0"/>
+  <mc:AlternateContent xmlns:mc="http://schemas.openxmlformats.org/markup-compatibility/2006" xmlns:p159="http://schemas.microsoft.com/office/powerpoint/2015/09/main">
+    <mc:Choice Requires="p159">
+      <p:transition xmlns:p14="http://schemas.microsoft.com/office/powerpoint/2010/main" spd="med" p14:dur="700">
+        <p:fade/>
       </p:transition>
     </mc:Choice>
-    <mc:Fallback>
+    <mc:Fallback xmlns="" xmlns:m="http://schemas.openxmlformats.org/officeDocument/2006/math" xmlns:w="http://schemas.openxmlformats.org/wordprocessingml/2006/main">
       <p:transition spd="med" advClick="1">
         <p:fade thruBlk="0"/>
       </p:transition>
@@ -21954,20 +21308,20 @@
                       </p:stCondLst>
                       <p:childTnLst>
                         <p:par>
-                          <p:cTn id="16" fill="hold">
+                          <p:cTn id="4" fill="hold">
                             <p:stCondLst>
                               <p:cond delay="0"/>
                             </p:stCondLst>
                             <p:childTnLst>
                               <p:par>
-                                <p:cTn id="17" presetID="10" presetClass="entr" presetSubtype="0" fill="hold" grpId="0" nodeType="afterEffect">
+                                <p:cTn id="5" presetID="10" presetClass="entr" presetSubtype="0" fill="hold" grpId="0" nodeType="afterEffect">
                                   <p:stCondLst>
                                     <p:cond delay="0"/>
                                   </p:stCondLst>
                                   <p:childTnLst>
                                     <p:set>
                                       <p:cBhvr>
-                                        <p:cTn id="19" dur="1" fill="hold">
+                                        <p:cTn id="6" dur="1" fill="hold">
                                           <p:stCondLst>
                                             <p:cond delay="0"/>
                                           </p:stCondLst>
@@ -21985,7 +21339,7 @@
                                     </p:set>
                                     <p:animEffect transition="in" filter="fade">
                                       <p:cBhvr>
-                                        <p:cTn id="18" dur="500"/>
+                                        <p:cTn id="7" dur="500"/>
                                         <p:tgtEl>
                                           <p:spTgt spid="2"/>
                                         </p:tgtEl>
@@ -21998,20 +21352,20 @@
                           </p:cTn>
                         </p:par>
                         <p:par>
-                          <p:cTn id="12" fill="hold">
+                          <p:cTn id="8" fill="hold">
                             <p:stCondLst>
                               <p:cond delay="500"/>
                             </p:stCondLst>
                             <p:childTnLst>
                               <p:par>
-                                <p:cTn id="13" presetID="10" presetClass="entr" presetSubtype="0" fill="hold" nodeType="afterEffect">
+                                <p:cTn id="9" presetID="10" presetClass="entr" presetSubtype="0" fill="hold" nodeType="afterEffect">
                                   <p:stCondLst>
                                     <p:cond delay="0"/>
                                   </p:stCondLst>
                                   <p:childTnLst>
                                     <p:set>
                                       <p:cBhvr>
-                                        <p:cTn id="15" dur="1" fill="hold">
+                                        <p:cTn id="10" dur="1" fill="hold">
                                           <p:stCondLst>
                                             <p:cond delay="0"/>
                                           </p:stCondLst>
@@ -22029,7 +21383,7 @@
                                     </p:set>
                                     <p:animEffect transition="in" filter="fade">
                                       <p:cBhvr>
-                                        <p:cTn id="14" dur="500"/>
+                                        <p:cTn id="11" dur="500"/>
                                         <p:tgtEl>
                                           <p:spTgt spid="12"/>
                                         </p:tgtEl>
@@ -22042,20 +21396,20 @@
                           </p:cTn>
                         </p:par>
                         <p:par>
-                          <p:cTn id="8" fill="hold">
+                          <p:cTn id="12" fill="hold">
                             <p:stCondLst>
                               <p:cond delay="1000"/>
                             </p:stCondLst>
                             <p:childTnLst>
                               <p:par>
-                                <p:cTn id="9" presetID="10" presetClass="entr" presetSubtype="0" fill="hold" nodeType="afterEffect">
+                                <p:cTn id="13" presetID="10" presetClass="entr" presetSubtype="0" fill="hold" nodeType="afterEffect">
                                   <p:stCondLst>
                                     <p:cond delay="0"/>
                                   </p:stCondLst>
                                   <p:childTnLst>
                                     <p:set>
                                       <p:cBhvr>
-                                        <p:cTn id="11" dur="1" fill="hold">
+                                        <p:cTn id="14" dur="1" fill="hold">
                                           <p:stCondLst>
                                             <p:cond delay="0"/>
                                           </p:stCondLst>
@@ -22073,7 +21427,7 @@
                                     </p:set>
                                     <p:animEffect transition="in" filter="fade">
                                       <p:cBhvr>
-                                        <p:cTn id="10" dur="500"/>
+                                        <p:cTn id="15" dur="500"/>
                                         <p:tgtEl>
                                           <p:spTgt spid="10"/>
                                         </p:tgtEl>
@@ -22086,20 +21440,20 @@
                           </p:cTn>
                         </p:par>
                         <p:par>
-                          <p:cTn id="4" fill="hold">
+                          <p:cTn id="16" fill="hold">
                             <p:stCondLst>
                               <p:cond delay="1500"/>
                             </p:stCondLst>
                             <p:childTnLst>
                               <p:par>
-                                <p:cTn id="5" presetID="10" presetClass="entr" presetSubtype="0" fill="hold" grpId="0" nodeType="afterEffect">
+                                <p:cTn id="17" presetID="10" presetClass="entr" presetSubtype="0" fill="hold" nodeType="afterEffect">
                                   <p:stCondLst>
                                     <p:cond delay="0"/>
                                   </p:stCondLst>
                                   <p:childTnLst>
                                     <p:set>
                                       <p:cBhvr>
-                                        <p:cTn id="7" dur="1" fill="hold">
+                                        <p:cTn id="18" dur="1" fill="hold">
                                           <p:stCondLst>
                                             <p:cond delay="0"/>
                                           </p:stCondLst>
@@ -22117,7 +21471,7 @@
                                     </p:set>
                                     <p:animEffect transition="in" filter="fade">
                                       <p:cBhvr>
-                                        <p:cTn id="6" dur="500"/>
+                                        <p:cTn id="19" dur="500"/>
                                         <p:tgtEl>
                                           <p:spTgt spid="173332374"/>
                                         </p:tgtEl>
@@ -22161,8 +21515,8 @@
 </file>
 
 <file path=ppt/slides/slide7.xml><?xml version="1.0" encoding="utf-8"?>
-<p:sld xmlns:a="http://schemas.openxmlformats.org/drawingml/2006/main" xmlns:r="http://schemas.openxmlformats.org/officeDocument/2006/relationships" xmlns:p="http://schemas.openxmlformats.org/presentationml/2006/main" xmlns:m="http://schemas.openxmlformats.org/officeDocument/2006/math" xmlns:w="http://schemas.openxmlformats.org/wordprocessingml/2006/main" xmlns:mc="http://schemas.openxmlformats.org/markup-compatibility/2006" showMasterPhAnim="0" showMasterSp="1" show="1">
-  <p:cSld name="">
+<p:sld xmlns:a="http://schemas.openxmlformats.org/drawingml/2006/main" xmlns:r="http://schemas.openxmlformats.org/officeDocument/2006/relationships" xmlns:p="http://schemas.openxmlformats.org/presentationml/2006/main" showMasterPhAnim="0">
+  <p:cSld>
     <p:spTree>
       <p:nvGrpSpPr>
         <p:cNvPr id="1" name=""/>
@@ -22202,17 +21556,8 @@
             </a:pPr>
             <a:r>
               <a:rPr lang="en-US"/>
-              <a:t>Interfața</a:t>
-            </a:r>
-            <a:r>
-              <a:rPr lang="en-US"/>
-              <a:t> </a:t>
-            </a:r>
-            <a:r>
-              <a:rPr lang="en-US"/>
-              <a:t>Aplicației</a:t>
-            </a:r>
-            <a:endParaRPr lang="en-US"/>
+              <a:t>Interfața Aplicației</a:t>
+            </a:r>
           </a:p>
         </p:txBody>
       </p:sp>
@@ -22274,7 +21619,6 @@
               <a:rPr lang="en-US"/>
               <a:t>FastRide</a:t>
             </a:r>
-            <a:endParaRPr lang="en-US"/>
           </a:p>
         </p:txBody>
       </p:sp>
@@ -22303,7 +21647,7 @@
             </a:pPr>
             <a:fld id="{A50E6425-1FE4-9E73-639F-7E4378E05534}" type="slidenum">
               <a:rPr lang="en-US"/>
-              <a:t/>
+              <a:t>7</a:t>
             </a:fld>
             <a:endParaRPr lang="en-US"/>
           </a:p>
@@ -22355,7 +21699,7 @@
       </p:pic>
       <p:pic>
         <p:nvPicPr>
-          <p:cNvPr id="899751599" name=""/>
+          <p:cNvPr id="899751599" name="Imagine 899751598"/>
           <p:cNvPicPr>
             <a:picLocks noChangeAspect="1"/>
           </p:cNvPicPr>
@@ -22366,7 +21710,7 @@
           <a:stretch/>
         </p:blipFill>
         <p:spPr bwMode="auto">
-          <a:xfrm flipH="0" flipV="0">
+          <a:xfrm>
             <a:off x="4592860" y="3947273"/>
             <a:ext cx="5319428" cy="1636161"/>
           </a:xfrm>
@@ -22377,7 +21721,7 @@
       </p:pic>
       <p:pic>
         <p:nvPicPr>
-          <p:cNvPr id="1759672384" name=""/>
+          <p:cNvPr id="1759672384" name="Imagine 1759672383"/>
           <p:cNvPicPr>
             <a:picLocks noChangeAspect="1"/>
           </p:cNvPicPr>
@@ -22388,7 +21732,7 @@
           <a:stretch/>
         </p:blipFill>
         <p:spPr bwMode="auto">
-          <a:xfrm flipH="0" flipV="0">
+          <a:xfrm>
             <a:off x="7858431" y="1631583"/>
             <a:ext cx="2209187" cy="1702588"/>
           </a:xfrm>
@@ -22399,7 +21743,7 @@
       </p:pic>
       <p:pic>
         <p:nvPicPr>
-          <p:cNvPr id="1974526545" name=""/>
+          <p:cNvPr id="1974526545" name="Imagine 1974526544"/>
           <p:cNvPicPr>
             <a:picLocks noChangeAspect="1"/>
           </p:cNvPicPr>
@@ -22410,7 +21754,7 @@
           <a:stretch/>
         </p:blipFill>
         <p:spPr bwMode="auto">
-          <a:xfrm flipH="0" flipV="0">
+          <a:xfrm>
             <a:off x="3774766" y="1843135"/>
             <a:ext cx="3277782" cy="1279485"/>
           </a:xfrm>
@@ -22424,13 +21768,13 @@
   <p:clrMapOvr>
     <a:masterClrMapping/>
   </p:clrMapOvr>
-  <mc:AlternateContent xmlns:mc="http://schemas.openxmlformats.org/markup-compatibility/2006">
-    <mc:Choice xmlns:p159="http://schemas.microsoft.com/office/powerpoint/2015/09/main" xmlns:p14="http://schemas.microsoft.com/office/powerpoint/2010/main" Requires="p159">
-      <p:transition spd="med" p14:dur="700" advClick="1">
-        <p:fade thruBlk="0"/>
+  <mc:AlternateContent xmlns:mc="http://schemas.openxmlformats.org/markup-compatibility/2006" xmlns:p159="http://schemas.microsoft.com/office/powerpoint/2015/09/main">
+    <mc:Choice Requires="p159">
+      <p:transition xmlns:p14="http://schemas.microsoft.com/office/powerpoint/2010/main" spd="med" p14:dur="700">
+        <p:fade/>
       </p:transition>
     </mc:Choice>
-    <mc:Fallback>
+    <mc:Fallback xmlns="" xmlns:m="http://schemas.openxmlformats.org/officeDocument/2006/math" xmlns:w="http://schemas.openxmlformats.org/wordprocessingml/2006/main">
       <p:transition spd="med" advClick="1">
         <p:fade thruBlk="0"/>
       </p:transition>
@@ -22454,20 +21798,20 @@
                       </p:stCondLst>
                       <p:childTnLst>
                         <p:par>
-                          <p:cTn id="24" fill="hold">
+                          <p:cTn id="4" fill="hold">
                             <p:stCondLst>
                               <p:cond delay="0"/>
                             </p:stCondLst>
                             <p:childTnLst>
                               <p:par>
-                                <p:cTn id="25" presetID="10" presetClass="entr" presetSubtype="0" fill="hold" grpId="0" nodeType="afterEffect">
+                                <p:cTn id="5" presetID="10" presetClass="entr" presetSubtype="0" fill="hold" grpId="0" nodeType="afterEffect">
                                   <p:stCondLst>
                                     <p:cond delay="0"/>
                                   </p:stCondLst>
                                   <p:childTnLst>
                                     <p:set>
                                       <p:cBhvr>
-                                        <p:cTn id="27" dur="1" fill="hold">
+                                        <p:cTn id="6" dur="1" fill="hold">
                                           <p:stCondLst>
                                             <p:cond delay="0"/>
                                           </p:stCondLst>
@@ -22485,7 +21829,7 @@
                                     </p:set>
                                     <p:animEffect transition="in" filter="fade">
                                       <p:cBhvr>
-                                        <p:cTn id="26" dur="500"/>
+                                        <p:cTn id="7" dur="500"/>
                                         <p:tgtEl>
                                           <p:spTgt spid="1460663428"/>
                                         </p:tgtEl>
@@ -22498,20 +21842,20 @@
                           </p:cTn>
                         </p:par>
                         <p:par>
-                          <p:cTn id="20" fill="hold">
+                          <p:cTn id="8" fill="hold">
                             <p:stCondLst>
                               <p:cond delay="500"/>
                             </p:stCondLst>
                             <p:childTnLst>
                               <p:par>
-                                <p:cTn id="21" presetID="10" presetClass="entr" presetSubtype="0" fill="hold" nodeType="afterEffect">
+                                <p:cTn id="9" presetID="10" presetClass="entr" presetSubtype="0" fill="hold" nodeType="afterEffect">
                                   <p:stCondLst>
                                     <p:cond delay="0"/>
                                   </p:stCondLst>
                                   <p:childTnLst>
                                     <p:set>
                                       <p:cBhvr>
-                                        <p:cTn id="23" dur="1" fill="hold">
+                                        <p:cTn id="10" dur="1" fill="hold">
                                           <p:stCondLst>
                                             <p:cond delay="0"/>
                                           </p:stCondLst>
@@ -22529,7 +21873,7 @@
                                     </p:set>
                                     <p:animEffect transition="in" filter="fade">
                                       <p:cBhvr>
-                                        <p:cTn id="22" dur="500"/>
+                                        <p:cTn id="11" dur="500"/>
                                         <p:tgtEl>
                                           <p:spTgt spid="1048649162"/>
                                         </p:tgtEl>
@@ -22542,20 +21886,20 @@
                           </p:cTn>
                         </p:par>
                         <p:par>
-                          <p:cTn id="16" fill="hold">
+                          <p:cTn id="12" fill="hold">
                             <p:stCondLst>
                               <p:cond delay="1000"/>
                             </p:stCondLst>
                             <p:childTnLst>
                               <p:par>
-                                <p:cTn id="17" presetID="10" presetClass="entr" presetSubtype="0" fill="hold" nodeType="afterEffect">
+                                <p:cTn id="13" presetID="10" presetClass="entr" presetSubtype="0" fill="hold" nodeType="afterEffect">
                                   <p:stCondLst>
                                     <p:cond delay="0"/>
                                   </p:stCondLst>
                                   <p:childTnLst>
                                     <p:set>
                                       <p:cBhvr>
-                                        <p:cTn id="19" dur="1" fill="hold">
+                                        <p:cTn id="14" dur="1" fill="hold">
                                           <p:stCondLst>
                                             <p:cond delay="0"/>
                                           </p:stCondLst>
@@ -22573,7 +21917,7 @@
                                     </p:set>
                                     <p:animEffect transition="in" filter="fade">
                                       <p:cBhvr>
-                                        <p:cTn id="18" dur="500"/>
+                                        <p:cTn id="15" dur="500"/>
                                         <p:tgtEl>
                                           <p:spTgt spid="514728406"/>
                                         </p:tgtEl>
@@ -22586,20 +21930,20 @@
                           </p:cTn>
                         </p:par>
                         <p:par>
-                          <p:cTn id="12" fill="hold">
+                          <p:cTn id="16" fill="hold">
                             <p:stCondLst>
                               <p:cond delay="1500"/>
                             </p:stCondLst>
                             <p:childTnLst>
                               <p:par>
-                                <p:cTn id="13" presetID="10" presetClass="entr" presetSubtype="0" fill="hold" grpId="0" nodeType="afterEffect">
+                                <p:cTn id="17" presetID="10" presetClass="entr" presetSubtype="0" fill="hold" nodeType="afterEffect">
                                   <p:stCondLst>
                                     <p:cond delay="0"/>
                                   </p:stCondLst>
                                   <p:childTnLst>
                                     <p:set>
                                       <p:cBhvr>
-                                        <p:cTn id="15" dur="1" fill="hold">
+                                        <p:cTn id="18" dur="1" fill="hold">
                                           <p:stCondLst>
                                             <p:cond delay="0"/>
                                           </p:stCondLst>
@@ -22617,7 +21961,7 @@
                                     </p:set>
                                     <p:animEffect transition="in" filter="fade">
                                       <p:cBhvr>
-                                        <p:cTn id="14" dur="500"/>
+                                        <p:cTn id="19" dur="500"/>
                                         <p:tgtEl>
                                           <p:spTgt spid="1974526545"/>
                                         </p:tgtEl>
@@ -22630,20 +21974,20 @@
                           </p:cTn>
                         </p:par>
                         <p:par>
-                          <p:cTn id="8" fill="hold">
+                          <p:cTn id="20" fill="hold">
                             <p:stCondLst>
                               <p:cond delay="2000"/>
                             </p:stCondLst>
                             <p:childTnLst>
                               <p:par>
-                                <p:cTn id="9" presetID="10" presetClass="entr" presetSubtype="0" fill="hold" grpId="0" nodeType="afterEffect">
+                                <p:cTn id="21" presetID="10" presetClass="entr" presetSubtype="0" fill="hold" nodeType="afterEffect">
                                   <p:stCondLst>
                                     <p:cond delay="0"/>
                                   </p:stCondLst>
                                   <p:childTnLst>
                                     <p:set>
                                       <p:cBhvr>
-                                        <p:cTn id="11" dur="1" fill="hold">
+                                        <p:cTn id="22" dur="1" fill="hold">
                                           <p:stCondLst>
                                             <p:cond delay="0"/>
                                           </p:stCondLst>
@@ -22661,7 +22005,7 @@
                                     </p:set>
                                     <p:animEffect transition="in" filter="fade">
                                       <p:cBhvr>
-                                        <p:cTn id="10" dur="500"/>
+                                        <p:cTn id="23" dur="500"/>
                                         <p:tgtEl>
                                           <p:spTgt spid="899751599"/>
                                         </p:tgtEl>
@@ -22674,20 +22018,20 @@
                           </p:cTn>
                         </p:par>
                         <p:par>
-                          <p:cTn id="4" fill="hold">
+                          <p:cTn id="24" fill="hold">
                             <p:stCondLst>
                               <p:cond delay="2500"/>
                             </p:stCondLst>
                             <p:childTnLst>
                               <p:par>
-                                <p:cTn id="5" presetID="10" presetClass="entr" presetSubtype="0" fill="hold" grpId="0" nodeType="afterEffect">
+                                <p:cTn id="25" presetID="10" presetClass="entr" presetSubtype="0" fill="hold" nodeType="afterEffect">
                                   <p:stCondLst>
                                     <p:cond delay="0"/>
                                   </p:stCondLst>
                                   <p:childTnLst>
                                     <p:set>
                                       <p:cBhvr>
-                                        <p:cTn id="7" dur="1" fill="hold">
+                                        <p:cTn id="26" dur="1" fill="hold">
                                           <p:stCondLst>
                                             <p:cond delay="0"/>
                                           </p:stCondLst>
@@ -22705,7 +22049,7 @@
                                     </p:set>
                                     <p:animEffect transition="in" filter="fade">
                                       <p:cBhvr>
-                                        <p:cTn id="6" dur="500"/>
+                                        <p:cTn id="27" dur="500"/>
                                         <p:tgtEl>
                                           <p:spTgt spid="1759672384"/>
                                         </p:tgtEl>
@@ -22749,8 +22093,8 @@
 </file>
 
 <file path=ppt/slides/slide8.xml><?xml version="1.0" encoding="utf-8"?>
-<p:sld xmlns:a="http://schemas.openxmlformats.org/drawingml/2006/main" xmlns:r="http://schemas.openxmlformats.org/officeDocument/2006/relationships" xmlns:p="http://schemas.openxmlformats.org/presentationml/2006/main" xmlns:m="http://schemas.openxmlformats.org/officeDocument/2006/math" xmlns:w="http://schemas.openxmlformats.org/wordprocessingml/2006/main" xmlns:mc="http://schemas.openxmlformats.org/markup-compatibility/2006" showMasterPhAnim="0" showMasterSp="1" show="1">
-  <p:cSld name="">
+<p:sld xmlns:a="http://schemas.openxmlformats.org/drawingml/2006/main" xmlns:r="http://schemas.openxmlformats.org/officeDocument/2006/relationships" xmlns:p="http://schemas.openxmlformats.org/presentationml/2006/main" showMasterPhAnim="0">
+  <p:cSld>
     <p:spTree>
       <p:nvGrpSpPr>
         <p:cNvPr id="1" name=""/>
@@ -22801,13 +22145,13 @@
   <p:clrMapOvr>
     <a:masterClrMapping/>
   </p:clrMapOvr>
-  <mc:AlternateContent xmlns:mc="http://schemas.openxmlformats.org/markup-compatibility/2006">
-    <mc:Choice xmlns:p159="http://schemas.microsoft.com/office/powerpoint/2015/09/main" xmlns:p14="http://schemas.microsoft.com/office/powerpoint/2010/main" Requires="p159">
-      <p:transition spd="med" p14:dur="700" advClick="1">
-        <p:fade thruBlk="0"/>
+  <mc:AlternateContent xmlns:mc="http://schemas.openxmlformats.org/markup-compatibility/2006" xmlns:p159="http://schemas.microsoft.com/office/powerpoint/2015/09/main">
+    <mc:Choice Requires="p159">
+      <p:transition xmlns:p14="http://schemas.microsoft.com/office/powerpoint/2010/main" spd="med" p14:dur="700">
+        <p:fade/>
       </p:transition>
     </mc:Choice>
-    <mc:Fallback>
+    <mc:Fallback xmlns="" xmlns:m="http://schemas.openxmlformats.org/officeDocument/2006/math" xmlns:w="http://schemas.openxmlformats.org/wordprocessingml/2006/main">
       <p:transition spd="med" advClick="1">
         <p:fade thruBlk="0"/>
       </p:transition>
@@ -22906,7 +22250,7 @@
 </file>
 
 <file path=ppt/theme/theme1.xml><?xml version="1.0" encoding="utf-8"?>
-<a:theme xmlns:a="http://schemas.openxmlformats.org/drawingml/2006/main" xmlns:r="http://schemas.openxmlformats.org/officeDocument/2006/relationships" xmlns:p="http://schemas.openxmlformats.org/presentationml/2006/main" name="Monoline">
+<a:theme xmlns:a="http://schemas.openxmlformats.org/drawingml/2006/main" name="Monoline">
   <a:themeElements>
     <a:clrScheme name="Custom 167">
       <a:dk1>
@@ -23109,11 +22453,12 @@
     </a:fmtScheme>
   </a:themeElements>
   <a:objectDefaults/>
+  <a:extraClrSchemeLst/>
 </a:theme>
 </file>
 
 <file path=ppt/theme/theme2.xml><?xml version="1.0" encoding="utf-8"?>
-<a:theme xmlns:a="http://schemas.openxmlformats.org/drawingml/2006/main" xmlns:r="http://schemas.openxmlformats.org/officeDocument/2006/relationships" xmlns:p="http://schemas.openxmlformats.org/presentationml/2006/main" name="Office Theme">
+<a:theme xmlns:a="http://schemas.openxmlformats.org/drawingml/2006/main" name="Office Theme">
   <a:themeElements>
     <a:clrScheme name="Office">
       <a:dk1>
@@ -23316,381 +22661,6 @@
     </a:fmtScheme>
   </a:themeElements>
   <a:objectDefaults/>
+  <a:extraClrSchemeLst/>
 </a:theme>
-</file>
-
-<file path=customXml/item1.xml><?xml version="1.0" encoding="utf-8"?>
-<ct:contentTypeSchema xmlns:ct="http://schemas.microsoft.com/office/2006/metadata/contentType" xmlns:ma="http://schemas.microsoft.com/office/2006/metadata/properties/metaAttributes" ct:_="" ma:_="" ma:contentTypeName="Document" ma:contentTypeID="0x01010079F111ED35F8CC479449609E8A0923A6" ma:contentTypeVersion="27" ma:contentTypeDescription="Create a new document." ma:contentTypeScope="" ma:versionID="c6f9a84f66a9c8b9a21755b9ffafb945">
-  <xsd:schema xmlns:xsd="http://www.w3.org/2001/XMLSchema" xmlns:xs="http://www.w3.org/2001/XMLSchema" xmlns:p="http://schemas.microsoft.com/office/2006/metadata/properties" xmlns:ns1="http://schemas.microsoft.com/sharepoint/v3" xmlns:ns2="71af3243-3dd4-4a8d-8c0d-dd76da1f02a5" xmlns:ns3="16c05727-aa75-4e4a-9b5f-8a80a1165891" xmlns:ns4="230e9df3-be65-4c73-a93b-d1236ebd677e" targetNamespace="http://schemas.microsoft.com/office/2006/metadata/properties" ma:root="true" ma:fieldsID="27df39e3e7036dff54f89ddd5805ce72" ns1:_="" ns2:_="" ns3:_="" ns4:_="">
-    <xsd:import namespace="http://schemas.microsoft.com/sharepoint/v3"/>
-    <xsd:import namespace="71af3243-3dd4-4a8d-8c0d-dd76da1f02a5"/>
-    <xsd:import namespace="16c05727-aa75-4e4a-9b5f-8a80a1165891"/>
-    <xsd:import namespace="230e9df3-be65-4c73-a93b-d1236ebd677e"/>
-    <xsd:element name="properties">
-      <xsd:complexType>
-        <xsd:sequence>
-          <xsd:element name="documentManagement">
-            <xsd:complexType>
-              <xsd:all>
-                <xsd:element ref="ns2:Status" minOccurs="0"/>
-                <xsd:element ref="ns2:Image" minOccurs="0"/>
-                <xsd:element ref="ns2:MediaServiceMetadata" minOccurs="0"/>
-                <xsd:element ref="ns2:MediaServiceFastMetadata" minOccurs="0"/>
-                <xsd:element ref="ns2:MediaServiceOCR" minOccurs="0"/>
-                <xsd:element ref="ns2:MediaServiceAutoTags" minOccurs="0"/>
-                <xsd:element ref="ns2:MediaServiceEventHashCode" minOccurs="0"/>
-                <xsd:element ref="ns2:MediaServiceGenerationTime" minOccurs="0"/>
-                <xsd:element ref="ns3:SharedWithUsers" minOccurs="0"/>
-                <xsd:element ref="ns3:SharedWithDetails" minOccurs="0"/>
-                <xsd:element ref="ns2:MediaServiceAutoKeyPoints" minOccurs="0"/>
-                <xsd:element ref="ns2:MediaServiceKeyPoints" minOccurs="0"/>
-                <xsd:element ref="ns2:MediaServiceDateTaken" minOccurs="0"/>
-                <xsd:element ref="ns1:_ip_UnifiedCompliancePolicyProperties" minOccurs="0"/>
-                <xsd:element ref="ns1:_ip_UnifiedCompliancePolicyUIAction" minOccurs="0"/>
-                <xsd:element ref="ns4:TaxCatchAll" minOccurs="0"/>
-                <xsd:element ref="ns2:ImageTagsTaxHTField" minOccurs="0"/>
-                <xsd:element ref="ns2:MediaServiceLocation" minOccurs="0"/>
-                <xsd:element ref="ns2:MediaLengthInSeconds" minOccurs="0"/>
-                <xsd:element ref="ns2:Background" minOccurs="0"/>
-                <xsd:element ref="ns2:MediaServiceSearchProperties" minOccurs="0"/>
-                <xsd:element ref="ns2:MediaServiceDocTags" minOccurs="0"/>
-                <xsd:element ref="ns2:MediaServiceObjectDetectorVersions" minOccurs="0"/>
-              </xsd:all>
-            </xsd:complexType>
-          </xsd:element>
-        </xsd:sequence>
-      </xsd:complexType>
-    </xsd:element>
-  </xsd:schema>
-  <xsd:schema xmlns:xsd="http://www.w3.org/2001/XMLSchema" xmlns:xs="http://www.w3.org/2001/XMLSchema" xmlns:dms="http://schemas.microsoft.com/office/2006/documentManagement/types" xmlns:pc="http://schemas.microsoft.com/office/infopath/2007/PartnerControls" targetNamespace="http://schemas.microsoft.com/sharepoint/v3" elementFormDefault="qualified">
-    <xsd:import namespace="http://schemas.microsoft.com/office/2006/documentManagement/types"/>
-    <xsd:import namespace="http://schemas.microsoft.com/office/infopath/2007/PartnerControls"/>
-    <xsd:element name="_ip_UnifiedCompliancePolicyProperties" ma:index="20" nillable="true" ma:displayName="Unified Compliance Policy Properties" ma:hidden="true" ma:internalName="_ip_UnifiedCompliancePolicyProperties" ma:readOnly="false">
-      <xsd:simpleType>
-        <xsd:restriction base="dms:Note"/>
-      </xsd:simpleType>
-    </xsd:element>
-    <xsd:element name="_ip_UnifiedCompliancePolicyUIAction" ma:index="21" nillable="true" ma:displayName="Unified Compliance Policy UI Action" ma:hidden="true" ma:internalName="_ip_UnifiedCompliancePolicyUIAction" ma:readOnly="false">
-      <xsd:simpleType>
-        <xsd:restriction base="dms:Text"/>
-      </xsd:simpleType>
-    </xsd:element>
-  </xsd:schema>
-  <xsd:schema xmlns:xsd="http://www.w3.org/2001/XMLSchema" xmlns:xs="http://www.w3.org/2001/XMLSchema" xmlns:dms="http://schemas.microsoft.com/office/2006/documentManagement/types" xmlns:pc="http://schemas.microsoft.com/office/infopath/2007/PartnerControls" targetNamespace="71af3243-3dd4-4a8d-8c0d-dd76da1f02a5" elementFormDefault="qualified">
-    <xsd:import namespace="http://schemas.microsoft.com/office/2006/documentManagement/types"/>
-    <xsd:import namespace="http://schemas.microsoft.com/office/infopath/2007/PartnerControls"/>
-    <xsd:element name="Status" ma:index="2" nillable="true" ma:displayName="Status" ma:default="Not started" ma:format="Dropdown" ma:internalName="Status" ma:readOnly="false">
-      <xsd:simpleType>
-        <xsd:restriction base="dms:Choice">
-          <xsd:enumeration value="Not started"/>
-          <xsd:enumeration value="In Progress"/>
-          <xsd:enumeration value="Completed"/>
-        </xsd:restriction>
-      </xsd:simpleType>
-    </xsd:element>
-    <xsd:element name="Image" ma:index="3" nillable="true" ma:displayName="Image" ma:format="Image" ma:internalName="Image" ma:readOnly="false">
-      <xsd:complexType>
-        <xsd:complexContent>
-          <xsd:extension base="dms:URL">
-            <xsd:sequence>
-              <xsd:element name="Url" type="dms:ValidUrl" minOccurs="0" nillable="true"/>
-              <xsd:element name="Description" type="xsd:string" nillable="true"/>
-            </xsd:sequence>
-          </xsd:extension>
-        </xsd:complexContent>
-      </xsd:complexType>
-    </xsd:element>
-    <xsd:element name="MediaServiceMetadata" ma:index="8" nillable="true" ma:displayName="MediaServiceMetadata" ma:hidden="true" ma:internalName="MediaServiceMetadata" ma:readOnly="true">
-      <xsd:simpleType>
-        <xsd:restriction base="dms:Note"/>
-      </xsd:simpleType>
-    </xsd:element>
-    <xsd:element name="MediaServiceFastMetadata" ma:index="9" nillable="true" ma:displayName="MediaServiceFastMetadata" ma:hidden="true" ma:internalName="MediaServiceFastMetadata" ma:readOnly="true">
-      <xsd:simpleType>
-        <xsd:restriction base="dms:Note"/>
-      </xsd:simpleType>
-    </xsd:element>
-    <xsd:element name="MediaServiceOCR" ma:index="10" nillable="true" ma:displayName="MediaServiceOCR" ma:hidden="true" ma:internalName="MediaServiceOCR" ma:readOnly="true">
-      <xsd:simpleType>
-        <xsd:restriction base="dms:Note"/>
-      </xsd:simpleType>
-    </xsd:element>
-    <xsd:element name="MediaServiceAutoTags" ma:index="11" nillable="true" ma:displayName="MediaServiceAutoTags" ma:hidden="true" ma:internalName="MediaServiceAutoTags" ma:readOnly="true">
-      <xsd:simpleType>
-        <xsd:restriction base="dms:Text"/>
-      </xsd:simpleType>
-    </xsd:element>
-    <xsd:element name="MediaServiceEventHashCode" ma:index="12" nillable="true" ma:displayName="MediaServiceEventHashCode" ma:hidden="true" ma:internalName="MediaServiceEventHashCode" ma:readOnly="true">
-      <xsd:simpleType>
-        <xsd:restriction base="dms:Text"/>
-      </xsd:simpleType>
-    </xsd:element>
-    <xsd:element name="MediaServiceGenerationTime" ma:index="13" nillable="true" ma:displayName="MediaServiceGenerationTime" ma:hidden="true" ma:internalName="MediaServiceGenerationTime" ma:readOnly="true">
-      <xsd:simpleType>
-        <xsd:restriction base="dms:Text"/>
-      </xsd:simpleType>
-    </xsd:element>
-    <xsd:element name="MediaServiceAutoKeyPoints" ma:index="16" nillable="true" ma:displayName="MediaServiceAutoKeyPoints" ma:hidden="true" ma:internalName="MediaServiceAutoKeyPoints" ma:readOnly="true">
-      <xsd:simpleType>
-        <xsd:restriction base="dms:Note"/>
-      </xsd:simpleType>
-    </xsd:element>
-    <xsd:element name="MediaServiceKeyPoints" ma:index="17" nillable="true" ma:displayName="KeyPoints" ma:hidden="true" ma:internalName="MediaServiceKeyPoints" ma:readOnly="false">
-      <xsd:simpleType>
-        <xsd:restriction base="dms:Note"/>
-      </xsd:simpleType>
-    </xsd:element>
-    <xsd:element name="MediaServiceDateTaken" ma:index="18" nillable="true" ma:displayName="MediaServiceDateTaken" ma:hidden="true" ma:internalName="MediaServiceDateTaken" ma:readOnly="true">
-      <xsd:simpleType>
-        <xsd:restriction base="dms:Text"/>
-      </xsd:simpleType>
-    </xsd:element>
-    <xsd:element name="ImageTagsTaxHTField" ma:index="25" nillable="true" ma:taxonomy="true" ma:internalName="ImageTagsTaxHTField" ma:taxonomyFieldName="MediaServiceImageTags" ma:displayName="Image Tags" ma:readOnly="false" ma:fieldId="{5cf76f15-5ced-4ddc-b409-7134ff3c332f}" ma:taxonomyMulti="true" ma:sspId="e385fb40-52d4-4fae-9c5b-3e8ff8a5878e" ma:termSetId="09814cd3-568e-fe90-9814-8d621ff8fb84" ma:anchorId="fba54fb3-c3e1-fe81-a776-ca4b69148c4d" ma:open="true" ma:isKeyword="false">
-      <xsd:complexType>
-        <xsd:sequence>
-          <xsd:element ref="pc:Terms" minOccurs="0" maxOccurs="1"/>
-        </xsd:sequence>
-      </xsd:complexType>
-    </xsd:element>
-    <xsd:element name="MediaServiceLocation" ma:index="26" nillable="true" ma:displayName="Location" ma:hidden="true" ma:internalName="MediaServiceLocation" ma:readOnly="true">
-      <xsd:simpleType>
-        <xsd:restriction base="dms:Text"/>
-      </xsd:simpleType>
-    </xsd:element>
-    <xsd:element name="MediaLengthInSeconds" ma:index="27" nillable="true" ma:displayName="MediaLengthInSeconds" ma:hidden="true" ma:internalName="MediaLengthInSeconds" ma:readOnly="true">
-      <xsd:simpleType>
-        <xsd:restriction base="dms:Unknown"/>
-      </xsd:simpleType>
-    </xsd:element>
-    <xsd:element name="Background" ma:index="28" nillable="true" ma:displayName="Background" ma:default="0" ma:format="Dropdown" ma:internalName="Background">
-      <xsd:simpleType>
-        <xsd:restriction base="dms:Boolean"/>
-      </xsd:simpleType>
-    </xsd:element>
-    <xsd:element name="MediaServiceSearchProperties" ma:index="29" nillable="true" ma:displayName="MediaServiceSearchProperties" ma:hidden="true" ma:internalName="MediaServiceSearchProperties" ma:readOnly="true">
-      <xsd:simpleType>
-        <xsd:restriction base="dms:Note"/>
-      </xsd:simpleType>
-    </xsd:element>
-    <xsd:element name="MediaServiceDocTags" ma:index="30" nillable="true" ma:displayName="MediaServiceDocTags" ma:hidden="true" ma:internalName="MediaServiceDocTags" ma:readOnly="true">
-      <xsd:simpleType>
-        <xsd:restriction base="dms:Note"/>
-      </xsd:simpleType>
-    </xsd:element>
-    <xsd:element name="MediaServiceObjectDetectorVersions" ma:index="31" nillable="true" ma:displayName="MediaServiceObjectDetectorVersions" ma:description="" ma:hidden="true" ma:indexed="true" ma:internalName="MediaServiceObjectDetectorVersions" ma:readOnly="true">
-      <xsd:simpleType>
-        <xsd:restriction base="dms:Text"/>
-      </xsd:simpleType>
-    </xsd:element>
-  </xsd:schema>
-  <xsd:schema xmlns:xsd="http://www.w3.org/2001/XMLSchema" xmlns:xs="http://www.w3.org/2001/XMLSchema" xmlns:dms="http://schemas.microsoft.com/office/2006/documentManagement/types" xmlns:pc="http://schemas.microsoft.com/office/infopath/2007/PartnerControls" targetNamespace="16c05727-aa75-4e4a-9b5f-8a80a1165891" elementFormDefault="qualified">
-    <xsd:import namespace="http://schemas.microsoft.com/office/2006/documentManagement/types"/>
-    <xsd:import namespace="http://schemas.microsoft.com/office/infopath/2007/PartnerControls"/>
-    <xsd:element name="SharedWithUsers" ma:index="14" nillable="true" ma:displayName="Shared With" ma:hidden="true" ma:internalName="SharedWithUsers" ma:readOnly="true">
-      <xsd:complexType>
-        <xsd:complexContent>
-          <xsd:extension base="dms:UserMulti">
-            <xsd:sequence>
-              <xsd:element name="UserInfo" minOccurs="0" maxOccurs="unbounded">
-                <xsd:complexType>
-                  <xsd:sequence>
-                    <xsd:element name="DisplayName" type="xsd:string" minOccurs="0"/>
-                    <xsd:element name="AccountId" type="dms:UserId" minOccurs="0" nillable="true"/>
-                    <xsd:element name="AccountType" type="xsd:string" minOccurs="0"/>
-                  </xsd:sequence>
-                </xsd:complexType>
-              </xsd:element>
-            </xsd:sequence>
-          </xsd:extension>
-        </xsd:complexContent>
-      </xsd:complexType>
-    </xsd:element>
-    <xsd:element name="SharedWithDetails" ma:index="15" nillable="true" ma:displayName="Shared With Details" ma:hidden="true" ma:internalName="SharedWithDetails" ma:readOnly="true">
-      <xsd:simpleType>
-        <xsd:restriction base="dms:Note"/>
-      </xsd:simpleType>
-    </xsd:element>
-  </xsd:schema>
-  <xsd:schema xmlns:xsd="http://www.w3.org/2001/XMLSchema" xmlns:xs="http://www.w3.org/2001/XMLSchema" xmlns:dms="http://schemas.microsoft.com/office/2006/documentManagement/types" xmlns:pc="http://schemas.microsoft.com/office/infopath/2007/PartnerControls" targetNamespace="230e9df3-be65-4c73-a93b-d1236ebd677e" elementFormDefault="qualified">
-    <xsd:import namespace="http://schemas.microsoft.com/office/2006/documentManagement/types"/>
-    <xsd:import namespace="http://schemas.microsoft.com/office/infopath/2007/PartnerControls"/>
-    <xsd:element name="TaxCatchAll" ma:index="23" nillable="true" ma:displayName="Taxonomy Catch All Column" ma:hidden="true" ma:list="{3f6bfcbc-3db3-4ae6-bd76-326f0798ad28}" ma:internalName="TaxCatchAll" ma:readOnly="false" ma:showField="CatchAllData" ma:web="16c05727-aa75-4e4a-9b5f-8a80a1165891">
-      <xsd:complexType>
-        <xsd:complexContent>
-          <xsd:extension base="dms:MultiChoiceLookup">
-            <xsd:sequence>
-              <xsd:element name="Value" type="dms:Lookup" maxOccurs="unbounded" minOccurs="0" nillable="true"/>
-            </xsd:sequence>
-          </xsd:extension>
-        </xsd:complexContent>
-      </xsd:complexType>
-    </xsd:element>
-  </xsd:schema>
-  <xsd:schema xmlns="http://schemas.openxmlformats.org/package/2006/metadata/core-properties" xmlns:xsd="http://www.w3.org/2001/XMLSchema" xmlns:xsi="http://www.w3.org/2001/XMLSchema-instance" xmlns:dc="http://purl.org/dc/elements/1.1/" xmlns:dcterms="http://purl.org/dc/terms/" xmlns:odoc="http://schemas.microsoft.com/internal/obd" targetNamespace="http://schemas.openxmlformats.org/package/2006/metadata/core-properties" elementFormDefault="qualified" attributeFormDefault="unqualified" blockDefault="#all">
-    <xsd:import namespace="http://purl.org/dc/elements/1.1/" schemaLocation="http://dublincore.org/schemas/xmls/qdc/2003/04/02/dc.xsd"/>
-    <xsd:import namespace="http://purl.org/dc/terms/" schemaLocation="http://dublincore.org/schemas/xmls/qdc/2003/04/02/dcterms.xsd"/>
-    <xsd:element name="coreProperties" type="CT_coreProperties"/>
-    <xsd:complexType name="CT_coreProperties">
-      <xsd:all>
-        <xsd:element ref="dc:creator" minOccurs="0" maxOccurs="1"/>
-        <xsd:element ref="dcterms:created" minOccurs="0" maxOccurs="1"/>
-        <xsd:element ref="dc:identifier" minOccurs="0" maxOccurs="1"/>
-        <xsd:element name="contentType" minOccurs="0" maxOccurs="1" type="xsd:string" ma:displayName="Content Type"/>
-        <xsd:element ref="dc:title" minOccurs="0" maxOccurs="1" ma:index="1" ma:displayName="Title"/>
-        <xsd:element ref="dc:subject" minOccurs="0" maxOccurs="1"/>
-        <xsd:element ref="dc:description" minOccurs="0" maxOccurs="1"/>
-        <xsd:element name="keywords" minOccurs="0" maxOccurs="1" type="xsd:string"/>
-        <xsd:element ref="dc:language" minOccurs="0" maxOccurs="1"/>
-        <xsd:element name="category" minOccurs="0" maxOccurs="1" type="xsd:string"/>
-        <xsd:element name="version" minOccurs="0" maxOccurs="1" type="xsd:string"/>
-        <xsd:element name="revision" minOccurs="0" maxOccurs="1" type="xsd:string">
-          <xsd:annotation>
-            <xsd:documentation>
-                        This value indicates the number of saves or revisions. The application is responsible for updating this value after each revision.
-                    </xsd:documentation>
-          </xsd:annotation>
-        </xsd:element>
-        <xsd:element name="lastModifiedBy" minOccurs="0" maxOccurs="1" type="xsd:string"/>
-        <xsd:element ref="dcterms:modified" minOccurs="0" maxOccurs="1"/>
-        <xsd:element name="contentStatus" minOccurs="0" maxOccurs="1" type="xsd:string"/>
-      </xsd:all>
-    </xsd:complexType>
-  </xsd:schema>
-  <xs:schema xmlns:pc="http://schemas.microsoft.com/office/infopath/2007/PartnerControls" xmlns:xs="http://www.w3.org/2001/XMLSchema" targetNamespace="http://schemas.microsoft.com/office/infopath/2007/PartnerControls" elementFormDefault="qualified" attributeFormDefault="unqualified">
-    <xs:element name="Person">
-      <xs:complexType>
-        <xs:sequence>
-          <xs:element ref="pc:DisplayName" minOccurs="0"/>
-          <xs:element ref="pc:AccountId" minOccurs="0"/>
-          <xs:element ref="pc:AccountType" minOccurs="0"/>
-        </xs:sequence>
-      </xs:complexType>
-    </xs:element>
-    <xs:element name="DisplayName" type="xs:string"/>
-    <xs:element name="AccountId" type="xs:string"/>
-    <xs:element name="AccountType" type="xs:string"/>
-    <xs:element name="BDCAssociatedEntity">
-      <xs:complexType>
-        <xs:sequence>
-          <xs:element ref="pc:BDCEntity" minOccurs="0" maxOccurs="unbounded"/>
-        </xs:sequence>
-        <xs:attribute ref="pc:EntityNamespace"/>
-        <xs:attribute ref="pc:EntityName"/>
-        <xs:attribute ref="pc:SystemInstanceName"/>
-        <xs:attribute ref="pc:AssociationName"/>
-      </xs:complexType>
-    </xs:element>
-    <xs:attribute name="EntityNamespace" type="xs:string"/>
-    <xs:attribute name="EntityName" type="xs:string"/>
-    <xs:attribute name="SystemInstanceName" type="xs:string"/>
-    <xs:attribute name="AssociationName" type="xs:string"/>
-    <xs:element name="BDCEntity">
-      <xs:complexType>
-        <xs:sequence>
-          <xs:element ref="pc:EntityDisplayName" minOccurs="0"/>
-          <xs:element ref="pc:EntityInstanceReference" minOccurs="0"/>
-          <xs:element ref="pc:EntityId1" minOccurs="0"/>
-          <xs:element ref="pc:EntityId2" minOccurs="0"/>
-          <xs:element ref="pc:EntityId3" minOccurs="0"/>
-          <xs:element ref="pc:EntityId4" minOccurs="0"/>
-          <xs:element ref="pc:EntityId5" minOccurs="0"/>
-        </xs:sequence>
-      </xs:complexType>
-    </xs:element>
-    <xs:element name="EntityDisplayName" type="xs:string"/>
-    <xs:element name="EntityInstanceReference" type="xs:string"/>
-    <xs:element name="EntityId1" type="xs:string"/>
-    <xs:element name="EntityId2" type="xs:string"/>
-    <xs:element name="EntityId3" type="xs:string"/>
-    <xs:element name="EntityId4" type="xs:string"/>
-    <xs:element name="EntityId5" type="xs:string"/>
-    <xs:element name="Terms">
-      <xs:complexType>
-        <xs:sequence>
-          <xs:element ref="pc:TermInfo" minOccurs="0" maxOccurs="unbounded"/>
-        </xs:sequence>
-      </xs:complexType>
-    </xs:element>
-    <xs:element name="TermInfo">
-      <xs:complexType>
-        <xs:sequence>
-          <xs:element ref="pc:TermName" minOccurs="0"/>
-          <xs:element ref="pc:TermId" minOccurs="0"/>
-        </xs:sequence>
-      </xs:complexType>
-    </xs:element>
-    <xs:element name="TermName" type="xs:string"/>
-    <xs:element name="TermId" type="xs:string"/>
-  </xs:schema>
-</ct:contentTypeSchema>
-</file>
-
-<file path=customXml/item2.xml><?xml version="1.0" encoding="utf-8"?>
-<p:properties xmlns:p="http://schemas.microsoft.com/office/2006/metadata/properties" xmlns:xsi="http://www.w3.org/2001/XMLSchema-instance" xmlns:pc="http://schemas.microsoft.com/office/infopath/2007/PartnerControls">
-  <documentManagement>
-    <_ip_UnifiedCompliancePolicyUIAction xmlns="http://schemas.microsoft.com/sharepoint/v3" xsi:nil="true"/>
-    <Image xmlns="71af3243-3dd4-4a8d-8c0d-dd76da1f02a5">
-      <Url xsi:nil="true"/>
-      <Description xsi:nil="true"/>
-    </Image>
-    <Status xmlns="71af3243-3dd4-4a8d-8c0d-dd76da1f02a5">Not started</Status>
-    <Background xmlns="71af3243-3dd4-4a8d-8c0d-dd76da1f02a5">false</Background>
-    <_ip_UnifiedCompliancePolicyProperties xmlns="http://schemas.microsoft.com/sharepoint/v3" xsi:nil="true"/>
-    <ImageTagsTaxHTField xmlns="71af3243-3dd4-4a8d-8c0d-dd76da1f02a5">
-      <Terms xmlns="http://schemas.microsoft.com/office/infopath/2007/PartnerControls"/>
-    </ImageTagsTaxHTField>
-    <TaxCatchAll xmlns="230e9df3-be65-4c73-a93b-d1236ebd677e" xsi:nil="true"/>
-    <MediaServiceKeyPoints xmlns="71af3243-3dd4-4a8d-8c0d-dd76da1f02a5" xsi:nil="true"/>
-  </documentManagement>
-</p:properties>
-</file>
-
-<file path=customXml/item3.xml><?xml version="1.0" encoding="utf-8"?>
-<?mso-contentType ?>
-<FormTemplates xmlns="http://schemas.microsoft.com/sharepoint/v3/contenttype/forms">
-  <Display>DocumentLibraryForm</Display>
-  <Edit>DocumentLibraryForm</Edit>
-  <New>DocumentLibraryForm</New>
-</FormTemplates>
-</file>
-
-<file path=customXml/itemProps1.xml><?xml version="1.0" encoding="utf-8"?>
-<ds:datastoreItem xmlns:ds="http://schemas.openxmlformats.org/officeDocument/2006/customXml" ds:itemID="{15BFCE94-6EC9-4D8E-89B6-C22DE7AD70CB}">
-  <ds:schemaRefs>
-    <ds:schemaRef ds:uri="http://schemas.microsoft.com/office/2006/metadata/contentType"/>
-    <ds:schemaRef ds:uri="http://schemas.microsoft.com/office/2006/metadata/properties/metaAttributes"/>
-    <ds:schemaRef ds:uri="http://www.w3.org/2001/XMLSchema"/>
-    <ds:schemaRef ds:uri="http://schemas.microsoft.com/office/2006/metadata/properties"/>
-    <ds:schemaRef ds:uri="http://schemas.microsoft.com/sharepoint/v3"/>
-    <ds:schemaRef ds:uri="71af3243-3dd4-4a8d-8c0d-dd76da1f02a5"/>
-    <ds:schemaRef ds:uri="16c05727-aa75-4e4a-9b5f-8a80a1165891"/>
-    <ds:schemaRef ds:uri="230e9df3-be65-4c73-a93b-d1236ebd677e"/>
-    <ds:schemaRef ds:uri="http://schemas.microsoft.com/office/2006/documentManagement/types"/>
-    <ds:schemaRef ds:uri="http://schemas.microsoft.com/office/infopath/2007/PartnerControls"/>
-    <ds:schemaRef ds:uri="http://schemas.openxmlformats.org/package/2006/metadata/core-properties"/>
-    <ds:schemaRef ds:uri="http://purl.org/dc/elements/1.1/"/>
-    <ds:schemaRef ds:uri="http://purl.org/dc/terms/"/>
-    <ds:schemaRef ds:uri="http://schemas.microsoft.com/internal/obd"/>
-  </ds:schemaRefs>
-</ds:datastoreItem>
-</file>
-
-<file path=customXml/itemProps2.xml><?xml version="1.0" encoding="utf-8"?>
-<ds:datastoreItem xmlns:ds="http://schemas.openxmlformats.org/officeDocument/2006/customXml" ds:itemID="{211845F9-C5F4-4AA5-BA9E-EC2182E91488}">
-  <ds:schemaRefs>
-    <ds:schemaRef ds:uri="http://schemas.microsoft.com/office/2006/metadata/properties"/>
-    <ds:schemaRef ds:uri="http://schemas.microsoft.com/office/infopath/2007/PartnerControls"/>
-    <ds:schemaRef ds:uri="http://schemas.microsoft.com/sharepoint/v3"/>
-    <ds:schemaRef ds:uri="71af3243-3dd4-4a8d-8c0d-dd76da1f02a5"/>
-    <ds:schemaRef ds:uri="230e9df3-be65-4c73-a93b-d1236ebd677e"/>
-  </ds:schemaRefs>
-</ds:datastoreItem>
-</file>
-
-<file path=customXml/itemProps3.xml><?xml version="1.0" encoding="utf-8"?>
-<ds:datastoreItem xmlns:ds="http://schemas.openxmlformats.org/officeDocument/2006/customXml" ds:itemID="{6C8B084D-D430-4822-B3CB-DEADB2E7A5FC}">
-  <ds:schemaRefs>
-    <ds:schemaRef ds:uri="http://schemas.microsoft.com/sharepoint/v3/contenttype/forms"/>
-  </ds:schemaRefs>
-</ds:datastoreItem>
 </file>